--- a/presentations/Présentation7iemeLoOPS.pptx
+++ b/presentations/Présentation7iemeLoOPS.pptx
@@ -13,11 +13,11 @@
   <p:sldIdLst>
     <p:sldId id="256" r:id="rId2"/>
     <p:sldId id="264" r:id="rId3"/>
-    <p:sldId id="265" r:id="rId4"/>
-    <p:sldId id="258" r:id="rId5"/>
-    <p:sldId id="259" r:id="rId6"/>
-    <p:sldId id="260" r:id="rId7"/>
-    <p:sldId id="263" r:id="rId8"/>
+    <p:sldId id="258" r:id="rId4"/>
+    <p:sldId id="259" r:id="rId5"/>
+    <p:sldId id="260" r:id="rId6"/>
+    <p:sldId id="263" r:id="rId7"/>
+    <p:sldId id="265" r:id="rId8"/>
   </p:sldIdLst>
   <p:sldSz cx="9144000" cy="6858000" type="screen4x3"/>
   <p:notesSz cx="6858000" cy="9144000"/>
@@ -201,7 +201,7 @@
           <a:p>
             <a:fld id="{99734DAD-B8A5-CA4D-AB71-C93C2527309C}" type="datetimeFigureOut">
               <a:rPr lang="fr-FR" smtClean="0"/>
-              <a:t>05/11/15</a:t>
+              <a:t>13/11/15</a:t>
             </a:fld>
             <a:endParaRPr lang="fr-FR"/>
           </a:p>
@@ -367,7 +367,7 @@
           <a:p>
             <a:fld id="{D50D922F-5A0C-8640-8E2E-DF9344F4008A}" type="datetimeFigureOut">
               <a:rPr lang="fr-FR" smtClean="0"/>
-              <a:t>05/11/15</a:t>
+              <a:t>13/11/15</a:t>
             </a:fld>
             <a:endParaRPr lang="fr-FR"/>
           </a:p>
@@ -3893,10 +3893,6 @@
               <a:rPr lang="fr-FR" b="1" dirty="0" smtClean="0"/>
               <a:t>« Je code, je diffuse, oui mais comment »</a:t>
             </a:r>
-            <a:r>
-              <a:rPr lang="fr-FR" b="1" dirty="0" smtClean="0"/>
-              <a:t/>
-            </a:r>
             <a:br>
               <a:rPr lang="fr-FR" b="1" dirty="0" smtClean="0"/>
             </a:br>
@@ -3943,34 +3939,6 @@
       </p:grpSpPr>
       <p:sp>
         <p:nvSpPr>
-          <p:cNvPr id="2" name="Titre 1"/>
-          <p:cNvSpPr>
-            <a:spLocks noGrp="1"/>
-          </p:cNvSpPr>
-          <p:nvPr>
-            <p:ph type="title"/>
-          </p:nvPr>
-        </p:nvSpPr>
-        <p:spPr>
-          <a:xfrm>
-            <a:off x="166179" y="90147"/>
-            <a:ext cx="8229600" cy="782607"/>
-          </a:xfrm>
-        </p:spPr>
-        <p:txBody>
-          <a:bodyPr/>
-          <a:lstStyle/>
-          <a:p>
-            <a:r>
-              <a:rPr lang="fr-FR" sz="3200" dirty="0" smtClean="0"/>
-              <a:t>Présentation de la journée</a:t>
-            </a:r>
-            <a:endParaRPr lang="fr-FR" sz="3200" dirty="0"/>
-          </a:p>
-        </p:txBody>
-      </p:sp>
-      <p:sp>
-        <p:nvSpPr>
           <p:cNvPr id="9" name="Espace réservé du pied de page 8"/>
           <p:cNvSpPr>
             <a:spLocks noGrp="1"/>
@@ -4059,53 +4027,72 @@
           <a:lstStyle/>
           <a:p>
             <a:r>
-              <a:rPr lang="fr-FR" i="1" dirty="0"/>
+              <a:rPr lang="fr-FR" sz="2800" i="1" dirty="0"/>
               <a:t>Partenariat </a:t>
             </a:r>
             <a:r>
-              <a:rPr lang="fr-FR" i="1" dirty="0" err="1"/>
+              <a:rPr lang="fr-FR" sz="2800" i="1" dirty="0" err="1"/>
               <a:t>LoOPS</a:t>
             </a:r>
             <a:r>
-              <a:rPr lang="fr-FR" i="1" dirty="0"/>
+              <a:rPr lang="fr-FR" sz="2800" i="1" dirty="0"/>
               <a:t>, services de valorisation du CNRS, d’</a:t>
             </a:r>
             <a:r>
-              <a:rPr lang="fr-FR" i="1" dirty="0" err="1"/>
+              <a:rPr lang="fr-FR" sz="2800" i="1" dirty="0" err="1"/>
               <a:t>inria</a:t>
             </a:r>
             <a:r>
-              <a:rPr lang="fr-FR" i="1" dirty="0"/>
+              <a:rPr lang="fr-FR" sz="2800" i="1" dirty="0"/>
               <a:t>, de </a:t>
             </a:r>
             <a:r>
-              <a:rPr lang="fr-FR" i="1" dirty="0" err="1"/>
+              <a:rPr lang="fr-FR" sz="2800" i="1" dirty="0" err="1"/>
               <a:t>CentraleSupélec</a:t>
             </a:r>
             <a:r>
-              <a:rPr lang="fr-FR" i="1" dirty="0"/>
-              <a:t>, </a:t>
-            </a:r>
-            <a:r>
-              <a:rPr lang="fr-FR" i="1" dirty="0" smtClean="0"/>
-              <a:t>d’</a:t>
-            </a:r>
-            <a:r>
-              <a:rPr lang="fr-FR" i="1" dirty="0" err="1" smtClean="0"/>
+              <a:rPr lang="fr-FR" sz="2800" i="1" dirty="0" smtClean="0"/>
+              <a:t>, de Polytechnique et d’</a:t>
+            </a:r>
+            <a:r>
+              <a:rPr lang="fr-FR" sz="2800" i="1" dirty="0" err="1" smtClean="0"/>
               <a:t>UPSud</a:t>
             </a:r>
             <a:r>
-              <a:rPr lang="fr-FR" i="1" dirty="0" smtClean="0"/>
+              <a:rPr lang="fr-FR" sz="2800" i="1" dirty="0" smtClean="0"/>
               <a:t>.</a:t>
             </a:r>
-            <a:endParaRPr lang="fr-FR" i="1" dirty="0"/>
-          </a:p>
-          <a:p>
-            <a:r>
-              <a:rPr lang="fr-FR" dirty="0" smtClean="0"/>
-              <a:t>Retours d’expériences.</a:t>
-            </a:r>
-            <a:endParaRPr lang="fr-FR" dirty="0"/>
+            <a:endParaRPr lang="fr-FR" sz="2800" i="1" dirty="0"/>
+          </a:p>
+          <a:p>
+            <a:r>
+              <a:rPr lang="fr-FR" sz="2800" dirty="0" smtClean="0"/>
+              <a:t>Merci à tous les intervenants.</a:t>
+            </a:r>
+          </a:p>
+          <a:p>
+            <a:endParaRPr lang="fr-FR" sz="2800" dirty="0" smtClean="0"/>
+          </a:p>
+          <a:p>
+            <a:endParaRPr lang="fr-FR" sz="2800" dirty="0"/>
+          </a:p>
+          <a:p>
+            <a:r>
+              <a:rPr lang="fr-FR" sz="2800" dirty="0" smtClean="0"/>
+              <a:t>Présentation </a:t>
+            </a:r>
+            <a:r>
+              <a:rPr lang="fr-FR" sz="2800" dirty="0" err="1" smtClean="0"/>
+              <a:t>LoOPS</a:t>
+            </a:r>
+            <a:endParaRPr lang="fr-FR" sz="2800" dirty="0" smtClean="0"/>
+          </a:p>
+          <a:p>
+            <a:r>
+              <a:rPr lang="fr-FR" sz="2800" dirty="0" smtClean="0"/>
+              <a:t>Programme de la journée (Jean-Christophe)</a:t>
+            </a:r>
+            <a:endParaRPr lang="fr-FR" sz="2800" dirty="0"/>
           </a:p>
         </p:txBody>
       </p:sp>
@@ -4130,615 +4117,6 @@
 </file>
 
 <file path=ppt/slides/slide3.xml><?xml version="1.0" encoding="utf-8"?>
-<p:sld xmlns:a="http://schemas.openxmlformats.org/drawingml/2006/main" xmlns:r="http://schemas.openxmlformats.org/officeDocument/2006/relationships" xmlns:p="http://schemas.openxmlformats.org/presentationml/2006/main">
-  <p:cSld>
-    <p:spTree>
-      <p:nvGrpSpPr>
-        <p:cNvPr id="1" name=""/>
-        <p:cNvGrpSpPr/>
-        <p:nvPr/>
-      </p:nvGrpSpPr>
-      <p:grpSpPr>
-        <a:xfrm>
-          <a:off x="0" y="0"/>
-          <a:ext cx="0" cy="0"/>
-          <a:chOff x="0" y="0"/>
-          <a:chExt cx="0" cy="0"/>
-        </a:xfrm>
-      </p:grpSpPr>
-      <p:sp>
-        <p:nvSpPr>
-          <p:cNvPr id="10" name="Espace réservé du contenu 9"/>
-          <p:cNvSpPr>
-            <a:spLocks noGrp="1"/>
-          </p:cNvSpPr>
-          <p:nvPr>
-            <p:ph idx="1"/>
-          </p:nvPr>
-        </p:nvSpPr>
-        <p:spPr>
-          <a:xfrm>
-            <a:off x="457200" y="1069165"/>
-            <a:ext cx="8229600" cy="4525963"/>
-          </a:xfrm>
-        </p:spPr>
-        <p:txBody>
-          <a:bodyPr/>
-          <a:lstStyle/>
-          <a:p>
-            <a:pPr marL="0" indent="0">
-              <a:buNone/>
-            </a:pPr>
-            <a:r>
-              <a:rPr lang="fr-FR" sz="1600" dirty="0" smtClean="0"/>
-              <a:t>09h30 : </a:t>
-            </a:r>
-            <a:r>
-              <a:rPr lang="fr-FR" sz="1600" dirty="0"/>
-              <a:t>Accueil et présentation du réseau </a:t>
-            </a:r>
-            <a:r>
-              <a:rPr lang="fr-FR" sz="1600" dirty="0" err="1"/>
-              <a:t>LoOPS</a:t>
-            </a:r>
-            <a:endParaRPr lang="fr-FR" sz="1600" dirty="0"/>
-          </a:p>
-          <a:p>
-            <a:pPr marL="0" indent="0">
-              <a:buNone/>
-            </a:pPr>
-            <a:r>
-              <a:rPr lang="fr-FR" sz="1600" dirty="0" smtClean="0"/>
-              <a:t>09h50 : </a:t>
-            </a:r>
-            <a:r>
-              <a:rPr lang="fr-FR" sz="1600" b="1" dirty="0"/>
-              <a:t>Introduction à la Propriété Intellectuelle </a:t>
-            </a:r>
-            <a:r>
-              <a:rPr lang="fr-FR" sz="1600" b="1" dirty="0" smtClean="0"/>
-              <a:t> </a:t>
-            </a:r>
-            <a:r>
-              <a:rPr lang="fr-FR" sz="1600" dirty="0" smtClean="0"/>
-              <a:t>- </a:t>
-            </a:r>
-            <a:r>
-              <a:rPr lang="fr-FR" sz="1600" i="1" dirty="0" smtClean="0"/>
-              <a:t>Soizic </a:t>
-            </a:r>
-            <a:r>
-              <a:rPr lang="fr-FR" sz="1600" i="1" dirty="0"/>
-              <a:t>Lefeuvre (SAIC </a:t>
-            </a:r>
-            <a:r>
-              <a:rPr lang="fr-FR" sz="1600" i="1" dirty="0" err="1"/>
-              <a:t>UPSud</a:t>
-            </a:r>
-            <a:r>
-              <a:rPr lang="fr-FR" sz="1600" i="1" dirty="0"/>
-              <a:t>) et Karim </a:t>
-            </a:r>
-            <a:r>
-              <a:rPr lang="fr-FR" sz="1600" i="1" dirty="0" err="1"/>
-              <a:t>Tadrist</a:t>
-            </a:r>
-            <a:r>
-              <a:rPr lang="fr-FR" sz="1600" i="1" dirty="0"/>
-              <a:t> (</a:t>
-            </a:r>
-            <a:r>
-              <a:rPr lang="fr-FR" sz="1600" i="1" dirty="0" err="1"/>
-              <a:t>CentraleSupelec</a:t>
-            </a:r>
-            <a:r>
-              <a:rPr lang="fr-FR" sz="1600" i="1" dirty="0"/>
-              <a:t>) </a:t>
-            </a:r>
-          </a:p>
-          <a:p>
-            <a:pPr marL="0" indent="0">
-              <a:buNone/>
-            </a:pPr>
-            <a:r>
-              <a:rPr lang="fr-FR" sz="1600" dirty="0" smtClean="0">
-                <a:solidFill>
-                  <a:srgbClr val="599E44"/>
-                </a:solidFill>
-              </a:rPr>
-              <a:t>10h45 : </a:t>
-            </a:r>
-            <a:r>
-              <a:rPr lang="fr-FR" sz="1600" dirty="0">
-                <a:solidFill>
-                  <a:srgbClr val="599E44"/>
-                </a:solidFill>
-              </a:rPr>
-              <a:t>Pause</a:t>
-            </a:r>
-          </a:p>
-          <a:p>
-            <a:pPr marL="0" indent="0">
-              <a:buNone/>
-            </a:pPr>
-            <a:r>
-              <a:rPr lang="fr-FR" sz="1600" dirty="0" smtClean="0"/>
-              <a:t>11h10 : </a:t>
-            </a:r>
-            <a:r>
-              <a:rPr lang="fr-FR" sz="1600" b="1" dirty="0"/>
-              <a:t>Tour d'horizon des licences et Applications </a:t>
-            </a:r>
-            <a:r>
-              <a:rPr lang="fr-FR" sz="1600" dirty="0"/>
-              <a:t>- </a:t>
-            </a:r>
-            <a:r>
-              <a:rPr lang="fr-FR" sz="1600" i="1" dirty="0" err="1"/>
-              <a:t>Chahrazed</a:t>
-            </a:r>
-            <a:r>
-              <a:rPr lang="fr-FR" sz="1600" i="1" dirty="0"/>
-              <a:t> Belgacem (SAIC </a:t>
-            </a:r>
-            <a:r>
-              <a:rPr lang="fr-FR" sz="1600" i="1" dirty="0" err="1"/>
-              <a:t>UPSud</a:t>
-            </a:r>
-            <a:r>
-              <a:rPr lang="fr-FR" sz="1600" i="1" dirty="0"/>
-              <a:t>) et Jean-Christophe </a:t>
-            </a:r>
-            <a:r>
-              <a:rPr lang="fr-FR" sz="1600" i="1" dirty="0" err="1"/>
-              <a:t>Souplet</a:t>
-            </a:r>
-            <a:r>
-              <a:rPr lang="fr-FR" sz="1600" i="1" dirty="0"/>
-              <a:t> (Pôle </a:t>
-            </a:r>
-            <a:r>
-              <a:rPr lang="fr-FR" sz="1600" i="1" dirty="0" err="1"/>
-              <a:t>Developpement</a:t>
-            </a:r>
-            <a:r>
-              <a:rPr lang="fr-FR" sz="1600" i="1" dirty="0"/>
-              <a:t> Logiciel - LRI)</a:t>
-            </a:r>
-          </a:p>
-          <a:p>
-            <a:pPr marL="0" indent="0">
-              <a:buNone/>
-            </a:pPr>
-            <a:r>
-              <a:rPr lang="fr-FR" sz="1600" dirty="0" smtClean="0"/>
-              <a:t>12h00 : </a:t>
-            </a:r>
-            <a:r>
-              <a:rPr lang="fr-FR" sz="1600" dirty="0"/>
-              <a:t>Quizz </a:t>
-            </a:r>
-            <a:r>
-              <a:rPr lang="fr-FR" sz="1600" i="1" dirty="0"/>
-              <a:t>Jeremy </a:t>
-            </a:r>
-            <a:r>
-              <a:rPr lang="fr-FR" sz="1600" i="1" dirty="0" err="1"/>
-              <a:t>Pappalardo</a:t>
-            </a:r>
-            <a:r>
-              <a:rPr lang="fr-FR" sz="1600" i="1" dirty="0"/>
-              <a:t> (Ecole polytechnique) + les 4 intervenants précédents </a:t>
-            </a:r>
-          </a:p>
-          <a:p>
-            <a:pPr marL="0" indent="0">
-              <a:buNone/>
-            </a:pPr>
-            <a:r>
-              <a:rPr lang="fr-FR" sz="1600" i="1" dirty="0" smtClean="0">
-                <a:solidFill>
-                  <a:srgbClr val="599E44"/>
-                </a:solidFill>
-              </a:rPr>
-              <a:t>12h45 : </a:t>
-            </a:r>
-            <a:r>
-              <a:rPr lang="fr-FR" sz="1600" i="1" dirty="0">
-                <a:solidFill>
-                  <a:srgbClr val="599E44"/>
-                </a:solidFill>
-              </a:rPr>
-              <a:t>Repas</a:t>
-            </a:r>
-          </a:p>
-          <a:p>
-            <a:pPr marL="0" indent="0">
-              <a:buNone/>
-            </a:pPr>
-            <a:r>
-              <a:rPr lang="fr-FR" sz="1600" dirty="0" smtClean="0"/>
-              <a:t>14h00 : </a:t>
-            </a:r>
-            <a:r>
-              <a:rPr lang="fr-FR" sz="1600" b="1" dirty="0"/>
-              <a:t>Retours </a:t>
-            </a:r>
-            <a:r>
-              <a:rPr lang="fr-FR" sz="1600" b="1" dirty="0" smtClean="0"/>
-              <a:t>d'expériences </a:t>
-            </a:r>
-            <a:r>
-              <a:rPr lang="fr-FR" sz="1600" dirty="0" smtClean="0"/>
-              <a:t>:</a:t>
-            </a:r>
-            <a:endParaRPr lang="fr-FR" sz="1600" dirty="0"/>
-          </a:p>
-          <a:p>
-            <a:pPr lvl="1"/>
-            <a:r>
-              <a:rPr lang="fr-FR" sz="1600" i="1" dirty="0" smtClean="0"/>
-              <a:t>Nicolas </a:t>
-            </a:r>
-            <a:r>
-              <a:rPr lang="fr-FR" sz="1600" i="1" dirty="0" err="1" smtClean="0"/>
-              <a:t>Thiéry</a:t>
-            </a:r>
-            <a:r>
-              <a:rPr lang="fr-FR" sz="1600" i="1" dirty="0" smtClean="0"/>
-              <a:t> (LRI) </a:t>
-            </a:r>
-            <a:r>
-              <a:rPr lang="fr-FR" sz="1600" dirty="0" smtClean="0"/>
-              <a:t>:  </a:t>
-            </a:r>
-            <a:r>
-              <a:rPr lang="fr-FR" sz="1600" dirty="0"/>
-              <a:t>c</a:t>
-            </a:r>
-            <a:r>
-              <a:rPr lang="fr-FR" sz="1600" dirty="0" smtClean="0"/>
-              <a:t>as </a:t>
-            </a:r>
-            <a:r>
-              <a:rPr lang="fr-FR" sz="1600" dirty="0"/>
-              <a:t>de </a:t>
-            </a:r>
-            <a:r>
-              <a:rPr lang="fr-FR" sz="1600" dirty="0" err="1"/>
-              <a:t>SageMath</a:t>
-            </a:r>
-            <a:r>
-              <a:rPr lang="fr-FR" sz="1600" dirty="0"/>
-              <a:t>, un logiciel libre de mathématiques qui combine la </a:t>
-            </a:r>
-            <a:r>
-              <a:rPr lang="fr-FR" sz="1600" dirty="0" err="1"/>
-              <a:t>puissande</a:t>
-            </a:r>
-            <a:r>
-              <a:rPr lang="fr-FR" sz="1600" dirty="0"/>
-              <a:t> de nombreux programmes libres dans une interface commune</a:t>
-            </a:r>
-          </a:p>
-          <a:p>
-            <a:pPr lvl="1"/>
-            <a:r>
-              <a:rPr lang="fr-FR" sz="1600" i="1" dirty="0"/>
-              <a:t>Renaud </a:t>
-            </a:r>
-            <a:r>
-              <a:rPr lang="fr-FR" sz="1600" i="1" dirty="0" err="1"/>
-              <a:t>Seguier</a:t>
-            </a:r>
-            <a:r>
-              <a:rPr lang="fr-FR" sz="1600" i="1" dirty="0"/>
-              <a:t> (</a:t>
-            </a:r>
-            <a:r>
-              <a:rPr lang="fr-FR" sz="1600" i="1" dirty="0" err="1"/>
-              <a:t>CentraleSupelec</a:t>
-            </a:r>
-            <a:r>
-              <a:rPr lang="fr-FR" sz="1600" i="1" dirty="0"/>
-              <a:t>) </a:t>
-            </a:r>
-            <a:r>
-              <a:rPr lang="fr-FR" sz="1600" dirty="0" smtClean="0"/>
-              <a:t>: valorisation </a:t>
-            </a:r>
-            <a:r>
-              <a:rPr lang="fr-FR" sz="1600" dirty="0"/>
-              <a:t>de travaux de recherche par la création des startups : </a:t>
-            </a:r>
-            <a:r>
-              <a:rPr lang="fr-FR" sz="1600" dirty="0" err="1"/>
-              <a:t>Dynamixyz</a:t>
-            </a:r>
-            <a:r>
-              <a:rPr lang="fr-FR" sz="1600" dirty="0"/>
-              <a:t> (animation de visage 3D) et 3D Sound </a:t>
-            </a:r>
-            <a:r>
-              <a:rPr lang="fr-FR" sz="1600" dirty="0" err="1"/>
-              <a:t>Labs</a:t>
-            </a:r>
-            <a:r>
-              <a:rPr lang="fr-FR" sz="1600" dirty="0"/>
-              <a:t> (</a:t>
-            </a:r>
-            <a:r>
-              <a:rPr lang="fr-FR" sz="1600" dirty="0" err="1"/>
-              <a:t>ecoute</a:t>
-            </a:r>
-            <a:r>
-              <a:rPr lang="fr-FR" sz="1600" dirty="0"/>
-              <a:t> de son 3D au casque</a:t>
-            </a:r>
-            <a:r>
-              <a:rPr lang="fr-FR" sz="1600" dirty="0" smtClean="0"/>
-              <a:t>)</a:t>
-            </a:r>
-            <a:endParaRPr lang="fr-FR" sz="1600" i="1" dirty="0" smtClean="0"/>
-          </a:p>
-          <a:p>
-            <a:pPr lvl="1"/>
-            <a:r>
-              <a:rPr lang="fr-FR" sz="1600" i="1" dirty="0"/>
-              <a:t>Olivier </a:t>
-            </a:r>
-            <a:r>
-              <a:rPr lang="fr-FR" sz="1600" i="1" dirty="0" err="1"/>
-              <a:t>Teytaud</a:t>
-            </a:r>
-            <a:r>
-              <a:rPr lang="fr-FR" sz="1600" i="1" dirty="0"/>
-              <a:t> (</a:t>
-            </a:r>
-            <a:r>
-              <a:rPr lang="fr-FR" sz="1600" i="1" dirty="0" err="1"/>
-              <a:t>inria</a:t>
-            </a:r>
-            <a:r>
-              <a:rPr lang="fr-FR" sz="1600" i="1" dirty="0"/>
-              <a:t>) </a:t>
-            </a:r>
-            <a:r>
-              <a:rPr lang="fr-FR" sz="1600" dirty="0"/>
-              <a:t>: </a:t>
-            </a:r>
-            <a:r>
-              <a:rPr lang="fr-FR" sz="1600" dirty="0" smtClean="0"/>
-              <a:t>propriété </a:t>
-            </a:r>
-            <a:r>
-              <a:rPr lang="fr-FR" sz="1600" dirty="0"/>
-              <a:t>intellectuelle en code: deux cas opposés.</a:t>
-            </a:r>
-          </a:p>
-          <a:p>
-            <a:pPr marL="0" indent="0">
-              <a:buNone/>
-            </a:pPr>
-            <a:r>
-              <a:rPr lang="fr-FR" sz="1600" dirty="0" smtClean="0"/>
-              <a:t>15h45 : </a:t>
-            </a:r>
-            <a:r>
-              <a:rPr lang="fr-FR" sz="1600" dirty="0"/>
-              <a:t>Table ronde </a:t>
-            </a:r>
-            <a:r>
-              <a:rPr lang="fr-FR" sz="1600" b="1" dirty="0"/>
-              <a:t>: En pratique que dois-je faire selon ma (mes) tutelles ? </a:t>
-            </a:r>
-            <a:r>
-              <a:rPr lang="fr-FR" sz="1600" i="1" dirty="0" err="1"/>
-              <a:t>Maike</a:t>
-            </a:r>
-            <a:r>
-              <a:rPr lang="fr-FR" sz="1600" i="1" dirty="0"/>
-              <a:t> </a:t>
-            </a:r>
-            <a:r>
-              <a:rPr lang="fr-FR" sz="1600" i="1" dirty="0" err="1"/>
-              <a:t>Gilliot</a:t>
-            </a:r>
-            <a:r>
-              <a:rPr lang="fr-FR" sz="1600" i="1" dirty="0"/>
-              <a:t> (</a:t>
-            </a:r>
-            <a:r>
-              <a:rPr lang="fr-FR" sz="1600" i="1" dirty="0" err="1"/>
-              <a:t>inria</a:t>
-            </a:r>
-            <a:r>
-              <a:rPr lang="fr-FR" sz="1600" i="1" dirty="0"/>
-              <a:t>), Soizic Lefeuvre (SAIC </a:t>
-            </a:r>
-            <a:r>
-              <a:rPr lang="fr-FR" sz="1600" i="1" dirty="0" err="1"/>
-              <a:t>UPSud</a:t>
-            </a:r>
-            <a:r>
-              <a:rPr lang="fr-FR" sz="1600" i="1" dirty="0"/>
-              <a:t>), Arnaud </a:t>
-            </a:r>
-            <a:r>
-              <a:rPr lang="fr-FR" sz="1600" i="1" dirty="0" err="1"/>
-              <a:t>Ritou</a:t>
-            </a:r>
-            <a:r>
-              <a:rPr lang="fr-FR" sz="1600" i="1" dirty="0"/>
-              <a:t> (CNRS), Karim </a:t>
-            </a:r>
-            <a:r>
-              <a:rPr lang="fr-FR" sz="1600" i="1" dirty="0" err="1"/>
-              <a:t>Tadrist</a:t>
-            </a:r>
-            <a:r>
-              <a:rPr lang="fr-FR" sz="1600" i="1" dirty="0"/>
-              <a:t> (</a:t>
-            </a:r>
-            <a:r>
-              <a:rPr lang="fr-FR" sz="1600" i="1" dirty="0" err="1"/>
-              <a:t>CentraleSupelec</a:t>
-            </a:r>
-            <a:r>
-              <a:rPr lang="fr-FR" sz="1600" i="1" dirty="0" smtClean="0"/>
-              <a:t>) </a:t>
-            </a:r>
-            <a:r>
-              <a:rPr lang="fr-FR" sz="1600" i="1" dirty="0" err="1" smtClean="0"/>
-              <a:t>Loic</a:t>
-            </a:r>
-            <a:r>
-              <a:rPr lang="fr-FR" sz="1600" i="1" dirty="0" smtClean="0"/>
-              <a:t> </a:t>
-            </a:r>
-            <a:r>
-              <a:rPr lang="fr-FR" sz="1600" i="1" dirty="0" err="1" smtClean="0"/>
-              <a:t>Gouarin</a:t>
-            </a:r>
-            <a:r>
-              <a:rPr lang="fr-FR" sz="1600" i="1" dirty="0" smtClean="0"/>
-              <a:t> (LMO)</a:t>
-            </a:r>
-            <a:endParaRPr lang="fr-FR" sz="1600" i="1" dirty="0"/>
-          </a:p>
-          <a:p>
-            <a:pPr marL="0" indent="0">
-              <a:buNone/>
-            </a:pPr>
-            <a:r>
-              <a:rPr lang="fr-FR" sz="1600" dirty="0" smtClean="0"/>
-              <a:t>16h30 : </a:t>
-            </a:r>
-            <a:r>
-              <a:rPr lang="fr-FR" sz="1600" dirty="0"/>
-              <a:t>Bilan de la journée - Sondage</a:t>
-            </a:r>
-          </a:p>
-        </p:txBody>
-      </p:sp>
-      <p:sp>
-        <p:nvSpPr>
-          <p:cNvPr id="2" name="Titre 1"/>
-          <p:cNvSpPr>
-            <a:spLocks noGrp="1"/>
-          </p:cNvSpPr>
-          <p:nvPr>
-            <p:ph type="title"/>
-          </p:nvPr>
-        </p:nvSpPr>
-        <p:spPr>
-          <a:xfrm>
-            <a:off x="166179" y="90147"/>
-            <a:ext cx="8229600" cy="782607"/>
-          </a:xfrm>
-        </p:spPr>
-        <p:txBody>
-          <a:bodyPr/>
-          <a:lstStyle/>
-          <a:p>
-            <a:r>
-              <a:rPr lang="fr-FR" sz="3200" dirty="0" smtClean="0"/>
-              <a:t>Présentation de la journée</a:t>
-            </a:r>
-            <a:endParaRPr lang="fr-FR" sz="3200" dirty="0"/>
-          </a:p>
-        </p:txBody>
-      </p:sp>
-      <p:sp>
-        <p:nvSpPr>
-          <p:cNvPr id="9" name="Espace réservé du pied de page 8"/>
-          <p:cNvSpPr>
-            <a:spLocks noGrp="1"/>
-          </p:cNvSpPr>
-          <p:nvPr>
-            <p:ph type="ftr" sz="quarter" idx="11"/>
-          </p:nvPr>
-        </p:nvSpPr>
-        <p:spPr/>
-        <p:txBody>
-          <a:bodyPr/>
-          <a:lstStyle/>
-          <a:p>
-            <a:r>
-              <a:rPr lang="fr-FR" smtClean="0"/>
-              <a:t>7ième journée LoOPS</a:t>
-            </a:r>
-            <a:endParaRPr lang="fr-FR"/>
-          </a:p>
-        </p:txBody>
-      </p:sp>
-      <p:sp>
-        <p:nvSpPr>
-          <p:cNvPr id="4" name="Espace réservé de la date 3"/>
-          <p:cNvSpPr>
-            <a:spLocks noGrp="1"/>
-          </p:cNvSpPr>
-          <p:nvPr>
-            <p:ph type="dt" sz="half" idx="10"/>
-          </p:nvPr>
-        </p:nvSpPr>
-        <p:spPr/>
-        <p:txBody>
-          <a:bodyPr/>
-          <a:lstStyle/>
-          <a:p>
-            <a:r>
-              <a:rPr lang="fr-FR" smtClean="0"/>
-              <a:t>17 novembre 2015</a:t>
-            </a:r>
-            <a:endParaRPr lang="fr-FR"/>
-          </a:p>
-        </p:txBody>
-      </p:sp>
-      <p:sp>
-        <p:nvSpPr>
-          <p:cNvPr id="6" name="Espace réservé du numéro de diapositive 5"/>
-          <p:cNvSpPr>
-            <a:spLocks noGrp="1"/>
-          </p:cNvSpPr>
-          <p:nvPr>
-            <p:ph type="sldNum" sz="quarter" idx="12"/>
-          </p:nvPr>
-        </p:nvSpPr>
-        <p:spPr/>
-        <p:txBody>
-          <a:bodyPr/>
-          <a:lstStyle/>
-          <a:p>
-            <a:fld id="{9EDC6D86-14D3-3648-AF53-8E1A2FD4027D}" type="slidenum">
-              <a:rPr lang="fr-FR" smtClean="0"/>
-              <a:t>3</a:t>
-            </a:fld>
-            <a:endParaRPr lang="fr-FR"/>
-          </a:p>
-        </p:txBody>
-      </p:sp>
-    </p:spTree>
-    <p:extLst>
-      <p:ext uri="{BB962C8B-B14F-4D97-AF65-F5344CB8AC3E}">
-        <p14:creationId xmlns:p14="http://schemas.microsoft.com/office/powerpoint/2010/main" val="4270057457"/>
-      </p:ext>
-    </p:extLst>
-  </p:cSld>
-  <p:clrMapOvr>
-    <a:masterClrMapping/>
-  </p:clrMapOvr>
-  <p:timing>
-    <p:tnLst>
-      <p:par>
-        <p:cTn xmlns:p14="http://schemas.microsoft.com/office/powerpoint/2010/main" id="1" dur="indefinite" restart="never" nodeType="tmRoot"/>
-      </p:par>
-    </p:tnLst>
-  </p:timing>
-</p:sld>
-</file>
-
-<file path=ppt/slides/slide4.xml><?xml version="1.0" encoding="utf-8"?>
 <p:sld xmlns:a="http://schemas.openxmlformats.org/drawingml/2006/main" xmlns:r="http://schemas.openxmlformats.org/officeDocument/2006/relationships" xmlns:p="http://schemas.openxmlformats.org/presentationml/2006/main">
   <p:cSld>
     <p:spTree>
@@ -4885,7 +4263,6 @@
               <a:rPr lang="fr-FR" sz="2400" dirty="0"/>
               <a:t>est le réseau des développeurs de logiciels scientifiques dans les établissements de l'Enseignement Supérieur et de la Recherche au sud-ouest de Paris.</a:t>
             </a:r>
-            <a:endParaRPr lang="fr-FR" sz="2400" dirty="0"/>
           </a:p>
           <a:p>
             <a:endParaRPr lang="fr-FR" sz="2400" dirty="0" smtClean="0"/>
@@ -4899,15 +4276,7 @@
             </a:pPr>
             <a:r>
               <a:rPr lang="fr-FR" sz="2400" dirty="0" smtClean="0"/>
-              <a:t>« </a:t>
-            </a:r>
-            <a:r>
-              <a:rPr lang="fr-FR" sz="2400" dirty="0" smtClean="0"/>
-              <a:t>La </a:t>
-            </a:r>
-            <a:r>
-              <a:rPr lang="fr-FR" sz="2400" dirty="0" smtClean="0"/>
-              <a:t>mission </a:t>
+              <a:t>« La mission </a:t>
             </a:r>
             <a:r>
               <a:rPr lang="fr-FR" sz="2400" dirty="0"/>
@@ -4934,11 +4303,7 @@
             </a:r>
             <a:r>
               <a:rPr lang="fr-FR" sz="2400" dirty="0" smtClean="0"/>
-              <a:t> </a:t>
-            </a:r>
-            <a:r>
-              <a:rPr lang="fr-FR" sz="2400" dirty="0" smtClean="0"/>
-              <a:t>s’inscrit dans la perspective du réseau </a:t>
+              <a:t> s’inscrit dans la perspective du réseau </a:t>
             </a:r>
             <a:r>
               <a:rPr lang="fr-FR" sz="2400" dirty="0" err="1" smtClean="0"/>
@@ -4946,8 +4311,25 @@
             </a:r>
             <a:r>
               <a:rPr lang="fr-FR" sz="2400" dirty="0" smtClean="0"/>
-              <a:t>.</a:t>
-            </a:r>
+              <a:t> (adhésion à la</a:t>
+            </a:r>
+            <a:r>
+              <a:rPr lang="fr-FR" sz="2400" dirty="0"/>
+              <a:t> </a:t>
+            </a:r>
+            <a:r>
+              <a:rPr lang="fr-FR" sz="2400" dirty="0" smtClean="0"/>
+              <a:t>charte </a:t>
+            </a:r>
+            <a:r>
+              <a:rPr lang="fr-FR" sz="2400" dirty="0" err="1" smtClean="0"/>
+              <a:t>Devlog</a:t>
+            </a:r>
+            <a:r>
+              <a:rPr lang="fr-FR" sz="2400" dirty="0" smtClean="0"/>
+              <a:t>).</a:t>
+            </a:r>
+            <a:endParaRPr lang="fr-FR" sz="2400" dirty="0" smtClean="0"/>
           </a:p>
           <a:p>
             <a:pPr marL="0" indent="0">
@@ -5102,7 +4484,7 @@
           <a:p>
             <a:fld id="{9EDC6D86-14D3-3648-AF53-8E1A2FD4027D}" type="slidenum">
               <a:rPr lang="fr-FR" smtClean="0"/>
-              <a:t>4</a:t>
+              <a:t>3</a:t>
             </a:fld>
             <a:endParaRPr lang="fr-FR"/>
           </a:p>
@@ -5128,7 +4510,7 @@
 </p:sld>
 </file>
 
-<file path=ppt/slides/slide5.xml><?xml version="1.0" encoding="utf-8"?>
+<file path=ppt/slides/slide4.xml><?xml version="1.0" encoding="utf-8"?>
 <p:sld xmlns:a="http://schemas.openxmlformats.org/drawingml/2006/main" xmlns:r="http://schemas.openxmlformats.org/officeDocument/2006/relationships" xmlns:p="http://schemas.openxmlformats.org/presentationml/2006/main">
   <p:cSld>
     <p:spTree>
@@ -5411,22 +4793,13 @@
           <a:p>
             <a:r>
               <a:rPr lang="fr-FR" dirty="0" smtClean="0"/>
-              <a:t>151 </a:t>
-            </a:r>
+              <a:t>151 membres</a:t>
+            </a:r>
+          </a:p>
+          <a:p>
             <a:r>
               <a:rPr lang="fr-FR" dirty="0" smtClean="0"/>
-              <a:t>membres</a:t>
-            </a:r>
-            <a:endParaRPr lang="fr-FR" dirty="0" smtClean="0"/>
-          </a:p>
-          <a:p>
-            <a:r>
-              <a:rPr lang="fr-FR" dirty="0" smtClean="0"/>
-              <a:t>10 </a:t>
-            </a:r>
-            <a:r>
-              <a:rPr lang="fr-FR" dirty="0" smtClean="0"/>
-              <a:t>personnes dans le comité d’animation (CNRS / INRIA)</a:t>
+              <a:t>10 personnes dans le comité d’animation (CNRS / INRIA)</a:t>
             </a:r>
             <a:endParaRPr lang="fr-FR" dirty="0"/>
           </a:p>
@@ -5665,7 +5038,7 @@
           <a:p>
             <a:fld id="{9EDC6D86-14D3-3648-AF53-8E1A2FD4027D}" type="slidenum">
               <a:rPr lang="fr-FR" smtClean="0"/>
-              <a:t>5</a:t>
+              <a:t>4</a:t>
             </a:fld>
             <a:endParaRPr lang="fr-FR"/>
           </a:p>
@@ -5675,6 +5048,442 @@
     <p:extLst>
       <p:ext uri="{BB962C8B-B14F-4D97-AF65-F5344CB8AC3E}">
         <p14:creationId xmlns:p14="http://schemas.microsoft.com/office/powerpoint/2010/main" val="3230160181"/>
+      </p:ext>
+    </p:extLst>
+  </p:cSld>
+  <p:clrMapOvr>
+    <a:masterClrMapping/>
+  </p:clrMapOvr>
+  <p:timing>
+    <p:tnLst>
+      <p:par>
+        <p:cTn xmlns:p14="http://schemas.microsoft.com/office/powerpoint/2010/main" id="1" dur="indefinite" restart="never" nodeType="tmRoot"/>
+      </p:par>
+    </p:tnLst>
+  </p:timing>
+</p:sld>
+</file>
+
+<file path=ppt/slides/slide5.xml><?xml version="1.0" encoding="utf-8"?>
+<p:sld xmlns:a="http://schemas.openxmlformats.org/drawingml/2006/main" xmlns:r="http://schemas.openxmlformats.org/officeDocument/2006/relationships" xmlns:p="http://schemas.openxmlformats.org/presentationml/2006/main">
+  <p:cSld>
+    <p:spTree>
+      <p:nvGrpSpPr>
+        <p:cNvPr id="1" name=""/>
+        <p:cNvGrpSpPr/>
+        <p:nvPr/>
+      </p:nvGrpSpPr>
+      <p:grpSpPr>
+        <a:xfrm>
+          <a:off x="0" y="0"/>
+          <a:ext cx="0" cy="0"/>
+          <a:chOff x="0" y="0"/>
+          <a:chExt cx="0" cy="0"/>
+        </a:xfrm>
+      </p:grpSpPr>
+      <p:sp>
+        <p:nvSpPr>
+          <p:cNvPr id="3" name="Espace réservé du contenu 2"/>
+          <p:cNvSpPr>
+            <a:spLocks noGrp="1"/>
+          </p:cNvSpPr>
+          <p:nvPr>
+            <p:ph idx="1"/>
+          </p:nvPr>
+        </p:nvSpPr>
+        <p:spPr>
+          <a:xfrm>
+            <a:off x="-89142" y="869516"/>
+            <a:ext cx="8229600" cy="4525963"/>
+          </a:xfrm>
+        </p:spPr>
+        <p:txBody>
+          <a:bodyPr>
+            <a:noAutofit/>
+          </a:bodyPr>
+          <a:lstStyle/>
+          <a:p>
+            <a:pPr marL="457200" lvl="1" indent="0">
+              <a:buNone/>
+            </a:pPr>
+            <a:r>
+              <a:rPr lang="fr-FR" dirty="0" smtClean="0"/>
+              <a:t> </a:t>
+            </a:r>
+            <a:r>
+              <a:rPr lang="is-IS" dirty="0" smtClean="0"/>
+              <a:t>►	</a:t>
+            </a:r>
+            <a:r>
+              <a:rPr lang="fr-FR" dirty="0" smtClean="0">
+                <a:solidFill>
+                  <a:srgbClr val="FF0000"/>
+                </a:solidFill>
+              </a:rPr>
+              <a:t>Journées </a:t>
+            </a:r>
+            <a:r>
+              <a:rPr lang="fr-FR" dirty="0" err="1" smtClean="0">
+                <a:solidFill>
+                  <a:srgbClr val="FF0000"/>
+                </a:solidFill>
+              </a:rPr>
+              <a:t>LoOPS</a:t>
+            </a:r>
+            <a:r>
+              <a:rPr lang="fr-FR" dirty="0" smtClean="0"/>
+              <a:t>   </a:t>
+            </a:r>
+          </a:p>
+          <a:p>
+            <a:pPr lvl="2"/>
+            <a:r>
+              <a:rPr lang="fr-FR" dirty="0" smtClean="0"/>
+              <a:t>Se rencontrer</a:t>
+            </a:r>
+          </a:p>
+          <a:p>
+            <a:pPr lvl="2"/>
+            <a:r>
+              <a:rPr lang="fr-FR" dirty="0" smtClean="0"/>
+              <a:t>Découvrir, apprendre</a:t>
+            </a:r>
+          </a:p>
+          <a:p>
+            <a:pPr lvl="2"/>
+            <a:r>
+              <a:rPr lang="fr-FR" dirty="0" smtClean="0"/>
+              <a:t>7 journées </a:t>
+            </a:r>
+            <a:r>
+              <a:rPr lang="fr-FR" dirty="0" err="1" smtClean="0"/>
+              <a:t>LoOPS</a:t>
+            </a:r>
+            <a:r>
+              <a:rPr lang="fr-FR" dirty="0" smtClean="0"/>
+              <a:t> </a:t>
+            </a:r>
+            <a:r>
+              <a:rPr lang="fr-FR" dirty="0" err="1" smtClean="0"/>
+              <a:t>Days</a:t>
+            </a:r>
+            <a:r>
+              <a:rPr lang="fr-FR" dirty="0" smtClean="0"/>
+              <a:t> depuis mai 2012 (présentations, ateliers, </a:t>
+            </a:r>
+            <a:r>
+              <a:rPr lang="fr-FR" dirty="0" err="1" smtClean="0"/>
+              <a:t>coding</a:t>
+            </a:r>
+            <a:r>
+              <a:rPr lang="fr-FR" dirty="0" smtClean="0"/>
+              <a:t>-dojos)</a:t>
+            </a:r>
+          </a:p>
+          <a:p>
+            <a:pPr marL="457200" lvl="1" indent="0">
+              <a:buNone/>
+            </a:pPr>
+            <a:r>
+              <a:rPr lang="is-IS" dirty="0" smtClean="0"/>
+              <a:t>►	</a:t>
+            </a:r>
+            <a:r>
+              <a:rPr lang="is-IS" dirty="0" smtClean="0">
+                <a:solidFill>
+                  <a:srgbClr val="FF0000"/>
+                </a:solidFill>
+              </a:rPr>
+              <a:t> </a:t>
+            </a:r>
+            <a:r>
+              <a:rPr lang="fr-FR" dirty="0" smtClean="0">
+                <a:solidFill>
+                  <a:srgbClr val="FF0000"/>
+                </a:solidFill>
+              </a:rPr>
+              <a:t>Liste de diffusion 			</a:t>
+            </a:r>
+            <a:r>
+              <a:rPr lang="fr-FR" sz="2400" b="1" dirty="0" smtClean="0">
+                <a:hlinkClick r:id="rId2"/>
+              </a:rPr>
+              <a:t>loops@groupes.renater.fr</a:t>
+            </a:r>
+            <a:endParaRPr lang="fr-FR" sz="2400" dirty="0" smtClean="0">
+              <a:solidFill>
+                <a:srgbClr val="FF0000"/>
+              </a:solidFill>
+            </a:endParaRPr>
+          </a:p>
+          <a:p>
+            <a:pPr lvl="2"/>
+            <a:r>
+              <a:rPr lang="fr-FR" dirty="0" smtClean="0">
+                <a:solidFill>
+                  <a:srgbClr val="000000"/>
+                </a:solidFill>
+              </a:rPr>
+              <a:t>Pour des questions techniques</a:t>
+            </a:r>
+            <a:endParaRPr lang="fr-FR" dirty="0" smtClean="0"/>
+          </a:p>
+          <a:p>
+            <a:pPr lvl="2"/>
+            <a:r>
+              <a:rPr lang="fr-FR" dirty="0" smtClean="0"/>
+              <a:t>Pour partager des informations (évènements, offres emplois, </a:t>
+            </a:r>
+            <a:r>
+              <a:rPr lang="is-IS" dirty="0" smtClean="0"/>
+              <a:t>…</a:t>
+            </a:r>
+            <a:r>
+              <a:rPr lang="fr-FR" dirty="0" smtClean="0"/>
+              <a:t>)</a:t>
+            </a:r>
+          </a:p>
+          <a:p>
+            <a:pPr lvl="2"/>
+            <a:r>
+              <a:rPr lang="fr-FR" dirty="0" smtClean="0"/>
+              <a:t>Pour discuter librement</a:t>
+            </a:r>
+            <a:endParaRPr lang="fr-FR" sz="1600" b="1" dirty="0" smtClean="0"/>
+          </a:p>
+          <a:p>
+            <a:pPr marL="457200" lvl="1" indent="0">
+              <a:buNone/>
+            </a:pPr>
+            <a:r>
+              <a:rPr lang="is-IS" dirty="0" smtClean="0"/>
+              <a:t>►	</a:t>
+            </a:r>
+            <a:r>
+              <a:rPr lang="fr-FR" dirty="0" err="1" smtClean="0">
+                <a:solidFill>
+                  <a:srgbClr val="FF0000"/>
+                </a:solidFill>
+              </a:rPr>
+              <a:t>LoOPS</a:t>
+            </a:r>
+            <a:r>
+              <a:rPr lang="fr-FR" dirty="0" smtClean="0">
+                <a:solidFill>
+                  <a:srgbClr val="FF0000"/>
+                </a:solidFill>
+              </a:rPr>
+              <a:t> : le site</a:t>
+            </a:r>
+          </a:p>
+          <a:p>
+            <a:pPr lvl="2"/>
+            <a:r>
+              <a:rPr lang="fr-FR" dirty="0" smtClean="0"/>
+              <a:t>Evènements à venir,  blogs</a:t>
+            </a:r>
+          </a:p>
+          <a:p>
+            <a:pPr lvl="2"/>
+            <a:r>
+              <a:rPr lang="fr-FR" dirty="0" smtClean="0"/>
+              <a:t>Interviews de développeurs logiciels</a:t>
+            </a:r>
+          </a:p>
+        </p:txBody>
+      </p:sp>
+      <p:pic>
+        <p:nvPicPr>
+          <p:cNvPr id="10" name="Image 9" descr="TuxMoving.jpeg"/>
+          <p:cNvPicPr>
+            <a:picLocks noChangeAspect="1"/>
+          </p:cNvPicPr>
+          <p:nvPr/>
+        </p:nvPicPr>
+        <p:blipFill>
+          <a:blip r:embed="rId3">
+            <a:extLst>
+              <a:ext uri="{28A0092B-C50C-407E-A947-70E740481C1C}">
+                <a14:useLocalDpi xmlns:a14="http://schemas.microsoft.com/office/drawing/2010/main" val="0"/>
+              </a:ext>
+            </a:extLst>
+          </a:blip>
+          <a:stretch>
+            <a:fillRect/>
+          </a:stretch>
+        </p:blipFill>
+        <p:spPr>
+          <a:xfrm flipH="1">
+            <a:off x="6194272" y="4587764"/>
+            <a:ext cx="1138421" cy="1133361"/>
+          </a:xfrm>
+          <a:prstGeom prst="rect">
+            <a:avLst/>
+          </a:prstGeom>
+        </p:spPr>
+      </p:pic>
+      <p:sp>
+        <p:nvSpPr>
+          <p:cNvPr id="2" name="Titre 1"/>
+          <p:cNvSpPr>
+            <a:spLocks noGrp="1"/>
+          </p:cNvSpPr>
+          <p:nvPr>
+            <p:ph type="title"/>
+          </p:nvPr>
+        </p:nvSpPr>
+        <p:spPr>
+          <a:xfrm>
+            <a:off x="285236" y="103260"/>
+            <a:ext cx="8229600" cy="691138"/>
+          </a:xfrm>
+        </p:spPr>
+        <p:txBody>
+          <a:bodyPr/>
+          <a:lstStyle/>
+          <a:p>
+            <a:r>
+              <a:rPr lang="fr-FR" sz="3200" dirty="0" smtClean="0"/>
+              <a:t>Actions </a:t>
+            </a:r>
+            <a:r>
+              <a:rPr lang="fr-FR" sz="3200" dirty="0" err="1" smtClean="0"/>
+              <a:t>LoOPS</a:t>
+            </a:r>
+            <a:endParaRPr lang="fr-FR" sz="3200" dirty="0"/>
+          </a:p>
+        </p:txBody>
+      </p:sp>
+      <p:sp>
+        <p:nvSpPr>
+          <p:cNvPr id="7" name="Espace réservé du pied de page 6"/>
+          <p:cNvSpPr>
+            <a:spLocks noGrp="1"/>
+          </p:cNvSpPr>
+          <p:nvPr>
+            <p:ph type="ftr" sz="quarter" idx="11"/>
+          </p:nvPr>
+        </p:nvSpPr>
+        <p:spPr/>
+        <p:txBody>
+          <a:bodyPr/>
+          <a:lstStyle/>
+          <a:p>
+            <a:r>
+              <a:rPr lang="fr-FR" smtClean="0"/>
+              <a:t>7ième journée LoOPS</a:t>
+            </a:r>
+            <a:endParaRPr lang="fr-FR" dirty="0"/>
+          </a:p>
+        </p:txBody>
+      </p:sp>
+      <p:sp>
+        <p:nvSpPr>
+          <p:cNvPr id="4" name="Espace réservé de la date 3"/>
+          <p:cNvSpPr>
+            <a:spLocks noGrp="1"/>
+          </p:cNvSpPr>
+          <p:nvPr>
+            <p:ph type="dt" sz="half" idx="10"/>
+          </p:nvPr>
+        </p:nvSpPr>
+        <p:spPr/>
+        <p:txBody>
+          <a:bodyPr/>
+          <a:lstStyle/>
+          <a:p>
+            <a:r>
+              <a:rPr lang="fr-FR" smtClean="0"/>
+              <a:t>17 novembre 2015</a:t>
+            </a:r>
+            <a:endParaRPr lang="fr-FR"/>
+          </a:p>
+        </p:txBody>
+      </p:sp>
+      <p:pic>
+        <p:nvPicPr>
+          <p:cNvPr id="5" name="Image 4"/>
+          <p:cNvPicPr>
+            <a:picLocks noChangeAspect="1"/>
+          </p:cNvPicPr>
+          <p:nvPr/>
+        </p:nvPicPr>
+        <p:blipFill>
+          <a:blip r:embed="rId4"/>
+          <a:stretch>
+            <a:fillRect/>
+          </a:stretch>
+        </p:blipFill>
+        <p:spPr>
+          <a:xfrm rot="18624091">
+            <a:off x="7239578" y="4789136"/>
+            <a:ext cx="439484" cy="1138953"/>
+          </a:xfrm>
+          <a:prstGeom prst="rect">
+            <a:avLst/>
+          </a:prstGeom>
+        </p:spPr>
+      </p:pic>
+      <p:sp>
+        <p:nvSpPr>
+          <p:cNvPr id="11" name="ZoneTexte 10"/>
+          <p:cNvSpPr txBox="1"/>
+          <p:nvPr/>
+        </p:nvSpPr>
+        <p:spPr>
+          <a:xfrm>
+            <a:off x="4334294" y="5652095"/>
+            <a:ext cx="4134290" cy="646331"/>
+          </a:xfrm>
+          <a:prstGeom prst="rect">
+            <a:avLst/>
+          </a:prstGeom>
+          <a:noFill/>
+        </p:spPr>
+        <p:txBody>
+          <a:bodyPr wrap="none" rtlCol="0">
+            <a:spAutoFit/>
+          </a:bodyPr>
+          <a:lstStyle/>
+          <a:p>
+            <a:pPr lvl="1"/>
+            <a:r>
+              <a:rPr lang="fr-FR" dirty="0" smtClean="0"/>
+              <a:t>N’hésitez pas à nous donner la vôtre !</a:t>
+            </a:r>
+          </a:p>
+          <a:p>
+            <a:endParaRPr lang="fr-FR" dirty="0"/>
+          </a:p>
+        </p:txBody>
+      </p:sp>
+      <p:sp>
+        <p:nvSpPr>
+          <p:cNvPr id="6" name="Espace réservé du numéro de diapositive 5"/>
+          <p:cNvSpPr>
+            <a:spLocks noGrp="1"/>
+          </p:cNvSpPr>
+          <p:nvPr>
+            <p:ph type="sldNum" sz="quarter" idx="12"/>
+          </p:nvPr>
+        </p:nvSpPr>
+        <p:spPr/>
+        <p:txBody>
+          <a:bodyPr/>
+          <a:lstStyle/>
+          <a:p>
+            <a:fld id="{9EDC6D86-14D3-3648-AF53-8E1A2FD4027D}" type="slidenum">
+              <a:rPr lang="fr-FR" smtClean="0"/>
+              <a:t>5</a:t>
+            </a:fld>
+            <a:endParaRPr lang="fr-FR"/>
+          </a:p>
+        </p:txBody>
+      </p:sp>
+    </p:spTree>
+    <p:extLst>
+      <p:ext uri="{BB962C8B-B14F-4D97-AF65-F5344CB8AC3E}">
+        <p14:creationId xmlns:p14="http://schemas.microsoft.com/office/powerpoint/2010/main" val="3911804175"/>
       </p:ext>
     </p:extLst>
   </p:cSld>
@@ -5710,457 +5519,507 @@
       </p:grpSpPr>
       <p:sp>
         <p:nvSpPr>
-          <p:cNvPr id="3" name="Espace réservé du contenu 2"/>
-          <p:cNvSpPr>
-            <a:spLocks noGrp="1"/>
-          </p:cNvSpPr>
-          <p:nvPr>
-            <p:ph idx="1"/>
+          <p:cNvPr id="2" name="Titre 1"/>
+          <p:cNvSpPr>
+            <a:spLocks noGrp="1"/>
+          </p:cNvSpPr>
+          <p:nvPr>
+            <p:ph type="title"/>
           </p:nvPr>
         </p:nvSpPr>
         <p:spPr>
           <a:xfrm>
-            <a:off x="-89142" y="869516"/>
-            <a:ext cx="8229600" cy="4525963"/>
+            <a:off x="298464" y="107984"/>
+            <a:ext cx="8229600" cy="611759"/>
           </a:xfrm>
         </p:spPr>
         <p:txBody>
-          <a:bodyPr>
-            <a:noAutofit/>
-          </a:bodyPr>
-          <a:lstStyle/>
-          <a:p>
-            <a:pPr marL="457200" lvl="1" indent="0">
+          <a:bodyPr/>
+          <a:lstStyle/>
+          <a:p>
+            <a:r>
+              <a:rPr lang="fr-FR" sz="3200" dirty="0" err="1" smtClean="0"/>
+              <a:t>LoOPS</a:t>
+            </a:r>
+            <a:r>
+              <a:rPr lang="fr-FR" sz="3200" dirty="0" smtClean="0"/>
+              <a:t>: à suivre</a:t>
+            </a:r>
+            <a:endParaRPr lang="fr-FR" sz="3200" dirty="0"/>
+          </a:p>
+        </p:txBody>
+      </p:sp>
+      <p:sp>
+        <p:nvSpPr>
+          <p:cNvPr id="3" name="Espace réservé du contenu 2"/>
+          <p:cNvSpPr>
+            <a:spLocks noGrp="1"/>
+          </p:cNvSpPr>
+          <p:nvPr>
+            <p:ph idx="1"/>
+          </p:nvPr>
+        </p:nvSpPr>
+        <p:spPr>
+          <a:xfrm>
+            <a:off x="457200" y="1600200"/>
+            <a:ext cx="8229600" cy="2334435"/>
+          </a:xfrm>
+        </p:spPr>
+        <p:txBody>
+          <a:bodyPr/>
+          <a:lstStyle/>
+          <a:p>
+            <a:pPr marL="0" indent="0">
               <a:buNone/>
             </a:pPr>
             <a:r>
-              <a:rPr lang="fr-FR" dirty="0" smtClean="0"/>
-              <a:t> </a:t>
-            </a:r>
-            <a:r>
-              <a:rPr lang="is-IS" dirty="0" smtClean="0"/>
-              <a:t>►	</a:t>
-            </a:r>
-            <a:r>
-              <a:rPr lang="fr-FR" dirty="0" smtClean="0">
+              <a:rPr lang="fr-FR" sz="2200" dirty="0" smtClean="0"/>
+              <a:t>Pour souscrire à la liste: </a:t>
+            </a:r>
+          </a:p>
+          <a:p>
+            <a:pPr marL="0" indent="0">
+              <a:buNone/>
+            </a:pPr>
+            <a:r>
+              <a:rPr lang="fr-FR" sz="2400" dirty="0" smtClean="0"/>
+              <a:t> 	</a:t>
+            </a:r>
+            <a:r>
+              <a:rPr lang="fr-FR" sz="2400" b="1" dirty="0" smtClean="0">
                 <a:solidFill>
                   <a:srgbClr val="FF0000"/>
                 </a:solidFill>
+                <a:hlinkClick r:id="rId2"/>
               </a:rPr>
-              <a:t>Journées </a:t>
-            </a:r>
-            <a:r>
-              <a:rPr lang="fr-FR" dirty="0" err="1" smtClean="0">
+              <a:t>http://</a:t>
+            </a:r>
+            <a:r>
+              <a:rPr lang="fr-FR" sz="2400" b="1" dirty="0" err="1" smtClean="0">
                 <a:solidFill>
                   <a:srgbClr val="FF0000"/>
                 </a:solidFill>
+                <a:hlinkClick r:id="rId2"/>
               </a:rPr>
-              <a:t>LoOPS</a:t>
-            </a:r>
-            <a:r>
-              <a:rPr lang="fr-FR" dirty="0" smtClean="0"/>
-              <a:t>   </a:t>
-            </a:r>
-          </a:p>
-          <a:p>
-            <a:pPr lvl="2"/>
-            <a:r>
-              <a:rPr lang="fr-FR" dirty="0" smtClean="0"/>
-              <a:t>Se rencontrer</a:t>
-            </a:r>
-            <a:endParaRPr lang="fr-FR" dirty="0" smtClean="0"/>
-          </a:p>
-          <a:p>
-            <a:pPr lvl="2"/>
-            <a:r>
-              <a:rPr lang="fr-FR" dirty="0" smtClean="0"/>
-              <a:t>Découvrir, apprendre</a:t>
-            </a:r>
-            <a:endParaRPr lang="fr-FR" dirty="0" smtClean="0"/>
-          </a:p>
-          <a:p>
-            <a:pPr lvl="2"/>
-            <a:r>
-              <a:rPr lang="fr-FR" dirty="0" smtClean="0"/>
-              <a:t>7 journées </a:t>
-            </a:r>
-            <a:r>
-              <a:rPr lang="fr-FR" dirty="0" err="1" smtClean="0"/>
-              <a:t>LoOPS</a:t>
-            </a:r>
-            <a:r>
-              <a:rPr lang="fr-FR" dirty="0" smtClean="0"/>
-              <a:t> </a:t>
-            </a:r>
-            <a:r>
-              <a:rPr lang="fr-FR" dirty="0" err="1" smtClean="0"/>
-              <a:t>Days</a:t>
-            </a:r>
-            <a:r>
-              <a:rPr lang="fr-FR" dirty="0" smtClean="0"/>
-              <a:t> </a:t>
-            </a:r>
-            <a:r>
-              <a:rPr lang="fr-FR" dirty="0" smtClean="0"/>
-              <a:t>depuis mai </a:t>
-            </a:r>
-            <a:r>
-              <a:rPr lang="fr-FR" dirty="0" smtClean="0"/>
-              <a:t>2012 (</a:t>
-            </a:r>
-            <a:r>
-              <a:rPr lang="fr-FR" dirty="0" smtClean="0"/>
-              <a:t>présentations</a:t>
-            </a:r>
-            <a:r>
-              <a:rPr lang="fr-FR" dirty="0" smtClean="0"/>
-              <a:t>, </a:t>
-            </a:r>
-            <a:r>
-              <a:rPr lang="fr-FR" dirty="0" smtClean="0"/>
-              <a:t>ateliers, </a:t>
-            </a:r>
-            <a:r>
-              <a:rPr lang="fr-FR" dirty="0" err="1" smtClean="0"/>
-              <a:t>coding</a:t>
-            </a:r>
-            <a:r>
-              <a:rPr lang="fr-FR" dirty="0" smtClean="0"/>
-              <a:t>-dojos)</a:t>
-            </a:r>
-          </a:p>
-          <a:p>
-            <a:pPr marL="457200" lvl="1" indent="0">
-              <a:buNone/>
-            </a:pPr>
-            <a:r>
-              <a:rPr lang="is-IS" dirty="0" smtClean="0"/>
-              <a:t>►	</a:t>
-            </a:r>
-            <a:r>
-              <a:rPr lang="is-IS" dirty="0" smtClean="0">
+              <a:t>reseau-loops.github.io</a:t>
+            </a:r>
+            <a:r>
+              <a:rPr lang="fr-FR" sz="2400" b="1" dirty="0" smtClean="0">
                 <a:solidFill>
                   <a:srgbClr val="FF0000"/>
                 </a:solidFill>
-              </a:rPr>
-              <a:t> </a:t>
-            </a:r>
-            <a:r>
-              <a:rPr lang="fr-FR" dirty="0" smtClean="0">
-                <a:solidFill>
-                  <a:srgbClr val="FF0000"/>
-                </a:solidFill>
-              </a:rPr>
-              <a:t>Liste de diffusion </a:t>
-            </a:r>
-            <a:r>
-              <a:rPr lang="fr-FR" dirty="0" smtClean="0">
-                <a:solidFill>
-                  <a:srgbClr val="FF0000"/>
-                </a:solidFill>
-              </a:rPr>
-              <a:t>			</a:t>
-            </a:r>
-            <a:r>
-              <a:rPr lang="fr-FR" sz="2400" b="1" dirty="0" smtClean="0">
                 <a:hlinkClick r:id="rId2"/>
               </a:rPr>
-              <a:t>loops@groupes.renater.fr</a:t>
-            </a:r>
-            <a:endParaRPr lang="fr-FR" sz="2400" dirty="0" smtClean="0">
+              <a:t>/</a:t>
+            </a:r>
+            <a:endParaRPr lang="fr-FR" sz="2400" b="1" dirty="0" smtClean="0">
               <a:solidFill>
                 <a:srgbClr val="FF0000"/>
               </a:solidFill>
             </a:endParaRPr>
           </a:p>
           <a:p>
-            <a:pPr lvl="2"/>
-            <a:r>
-              <a:rPr lang="fr-FR" dirty="0" smtClean="0">
-                <a:solidFill>
-                  <a:srgbClr val="000000"/>
-                </a:solidFill>
-              </a:rPr>
-              <a:t>Pour des questions techniques</a:t>
-            </a:r>
-            <a:endParaRPr lang="fr-FR" dirty="0" smtClean="0"/>
-          </a:p>
-          <a:p>
-            <a:pPr lvl="2"/>
-            <a:r>
-              <a:rPr lang="fr-FR" dirty="0" smtClean="0"/>
-              <a:t>Pour partager des informations (évènements, offres emplois, </a:t>
-            </a:r>
-            <a:r>
-              <a:rPr lang="is-IS" dirty="0" smtClean="0"/>
-              <a:t>…</a:t>
-            </a:r>
-            <a:r>
-              <a:rPr lang="fr-FR" dirty="0" smtClean="0"/>
-              <a:t>)</a:t>
-            </a:r>
-            <a:endParaRPr lang="fr-FR" dirty="0" smtClean="0"/>
-          </a:p>
-          <a:p>
-            <a:pPr lvl="2"/>
-            <a:r>
-              <a:rPr lang="fr-FR" dirty="0" smtClean="0"/>
-              <a:t>Pour discuter librement</a:t>
-            </a:r>
-            <a:endParaRPr lang="fr-FR" sz="1600" b="1" dirty="0" smtClean="0"/>
-          </a:p>
-          <a:p>
-            <a:pPr marL="457200" lvl="1" indent="0">
+            <a:pPr marL="0" indent="0">
               <a:buNone/>
             </a:pPr>
-            <a:r>
-              <a:rPr lang="is-IS" dirty="0" smtClean="0"/>
-              <a:t>►	</a:t>
-            </a:r>
-            <a:r>
-              <a:rPr lang="fr-FR" dirty="0" err="1" smtClean="0">
-                <a:solidFill>
-                  <a:srgbClr val="FF0000"/>
-                </a:solidFill>
-              </a:rPr>
-              <a:t>LoOPS</a:t>
-            </a:r>
-            <a:r>
-              <a:rPr lang="fr-FR" dirty="0" smtClean="0">
-                <a:solidFill>
-                  <a:srgbClr val="FF0000"/>
-                </a:solidFill>
-              </a:rPr>
-              <a:t> : le site</a:t>
-            </a:r>
-            <a:endParaRPr lang="fr-FR" dirty="0" smtClean="0">
+            <a:endParaRPr lang="fr-FR" sz="2400" b="1" dirty="0">
               <a:solidFill>
                 <a:srgbClr val="FF0000"/>
               </a:solidFill>
             </a:endParaRPr>
           </a:p>
           <a:p>
-            <a:pPr lvl="2"/>
-            <a:r>
-              <a:rPr lang="fr-FR" dirty="0" smtClean="0"/>
-              <a:t>Evènements à venir,  </a:t>
-            </a:r>
-            <a:r>
-              <a:rPr lang="fr-FR" dirty="0" smtClean="0"/>
-              <a:t>blogs</a:t>
-            </a:r>
-          </a:p>
-          <a:p>
-            <a:pPr lvl="2"/>
-            <a:r>
-              <a:rPr lang="fr-FR" dirty="0" smtClean="0"/>
-              <a:t>Interviews de développeurs logiciels</a:t>
-            </a:r>
-            <a:endParaRPr lang="fr-FR" dirty="0" smtClean="0"/>
-          </a:p>
-        </p:txBody>
-      </p:sp>
-      <p:pic>
-        <p:nvPicPr>
-          <p:cNvPr id="10" name="Image 9" descr="TuxMoving.jpeg"/>
-          <p:cNvPicPr>
-            <a:picLocks noChangeAspect="1"/>
-          </p:cNvPicPr>
+            <a:pPr marL="0" indent="0">
+              <a:buNone/>
+            </a:pPr>
+            <a:endParaRPr lang="fr-FR" sz="2000" dirty="0"/>
+          </a:p>
+          <a:p>
+            <a:pPr marL="0" indent="0">
+              <a:buNone/>
+            </a:pPr>
+            <a:r>
+              <a:rPr lang="fr-FR" sz="2200" dirty="0" smtClean="0"/>
+              <a:t>8</a:t>
+            </a:r>
+            <a:r>
+              <a:rPr lang="fr-FR" sz="2200" baseline="30000" dirty="0" smtClean="0"/>
+              <a:t>ième</a:t>
+            </a:r>
+            <a:r>
+              <a:rPr lang="fr-FR" sz="2200" dirty="0" smtClean="0"/>
+              <a:t> journée </a:t>
+            </a:r>
+            <a:r>
+              <a:rPr lang="fr-FR" sz="2200" dirty="0" err="1" smtClean="0"/>
+              <a:t>LoOPS</a:t>
+            </a:r>
+            <a:r>
+              <a:rPr lang="fr-FR" sz="2200" dirty="0" smtClean="0"/>
+              <a:t> le 17 décembre Docker et </a:t>
+            </a:r>
+            <a:r>
+              <a:rPr lang="fr-FR" sz="2200" dirty="0" err="1" smtClean="0"/>
+              <a:t>Unikernel</a:t>
+            </a:r>
+            <a:r>
+              <a:rPr lang="fr-FR" sz="2200" dirty="0" smtClean="0"/>
+              <a:t> sont sur un bateau. Proto 204</a:t>
+            </a:r>
+          </a:p>
+          <a:p>
+            <a:pPr marL="0" indent="0">
+              <a:buNone/>
+            </a:pPr>
+            <a:endParaRPr lang="fr-FR" sz="2000" dirty="0"/>
+          </a:p>
+          <a:p>
+            <a:pPr marL="0" indent="0">
+              <a:buNone/>
+            </a:pPr>
+            <a:r>
+              <a:rPr lang="fr-FR" sz="2200" dirty="0" smtClean="0"/>
+              <a:t>En préparation : </a:t>
+            </a:r>
+          </a:p>
+          <a:p>
+            <a:pPr marL="0" indent="0">
+              <a:buNone/>
+            </a:pPr>
+            <a:r>
+              <a:rPr lang="fr-FR" sz="2200" dirty="0" smtClean="0"/>
+              <a:t>GPU </a:t>
+            </a:r>
+            <a:r>
+              <a:rPr lang="fr-FR" sz="2200" dirty="0" err="1" smtClean="0"/>
+              <a:t>day</a:t>
+            </a:r>
+            <a:r>
+              <a:rPr lang="fr-FR" sz="2200" dirty="0" smtClean="0"/>
+              <a:t> in 2016 (first </a:t>
+            </a:r>
+            <a:r>
+              <a:rPr lang="fr-FR" sz="2200" dirty="0" err="1" smtClean="0"/>
+              <a:t>semester</a:t>
+            </a:r>
+            <a:r>
+              <a:rPr lang="fr-FR" sz="2200" dirty="0" smtClean="0"/>
+              <a:t>)</a:t>
+            </a:r>
+          </a:p>
+          <a:p>
+            <a:pPr marL="0" indent="0">
+              <a:buNone/>
+            </a:pPr>
+            <a:r>
+              <a:rPr lang="fr-FR" sz="2200" dirty="0" err="1"/>
+              <a:t>Hadoops</a:t>
+            </a:r>
+            <a:r>
+              <a:rPr lang="fr-FR" sz="2200" dirty="0"/>
+              <a:t> / </a:t>
+            </a:r>
+            <a:r>
+              <a:rPr lang="fr-FR" sz="2200" dirty="0" err="1" smtClean="0"/>
+              <a:t>Spark</a:t>
+            </a:r>
+            <a:r>
+              <a:rPr lang="fr-FR" sz="2200" dirty="0" smtClean="0"/>
+              <a:t> </a:t>
+            </a:r>
+            <a:endParaRPr lang="fr-FR" sz="2200" dirty="0"/>
+          </a:p>
+          <a:p>
+            <a:pPr marL="0" indent="0">
+              <a:buNone/>
+            </a:pPr>
+            <a:endParaRPr lang="fr-FR" sz="2200" dirty="0" smtClean="0"/>
+          </a:p>
+          <a:p>
+            <a:endParaRPr lang="fr-FR" sz="2400" dirty="0"/>
+          </a:p>
+          <a:p>
+            <a:endParaRPr lang="fr-FR" dirty="0"/>
+          </a:p>
+        </p:txBody>
+      </p:sp>
+      <p:sp>
+        <p:nvSpPr>
+          <p:cNvPr id="4" name="Rectangle 3"/>
+          <p:cNvSpPr/>
           <p:nvPr/>
-        </p:nvPicPr>
-        <p:blipFill>
-          <a:blip r:embed="rId3">
-            <a:extLst>
-              <a:ext uri="{28A0092B-C50C-407E-A947-70E740481C1C}">
-                <a14:useLocalDpi xmlns:a14="http://schemas.microsoft.com/office/drawing/2010/main" val="0"/>
-              </a:ext>
-            </a:extLst>
-          </a:blip>
-          <a:stretch>
-            <a:fillRect/>
-          </a:stretch>
-        </p:blipFill>
+        </p:nvSpPr>
         <p:spPr>
-          <a:xfrm flipH="1">
-            <a:off x="6194272" y="4587764"/>
-            <a:ext cx="1138421" cy="1133361"/>
+          <a:xfrm>
+            <a:off x="0" y="1282685"/>
+            <a:ext cx="2314936" cy="317515"/>
           </a:xfrm>
           <a:prstGeom prst="rect">
             <a:avLst/>
           </a:prstGeom>
+          <a:solidFill>
+            <a:schemeClr val="tx1"/>
+          </a:solidFill>
+          <a:ln>
+            <a:noFill/>
+          </a:ln>
+          <a:effectLst/>
         </p:spPr>
-      </p:pic>
-      <p:sp>
-        <p:nvSpPr>
-          <p:cNvPr id="2" name="Titre 1"/>
-          <p:cNvSpPr>
-            <a:spLocks noGrp="1"/>
-          </p:cNvSpPr>
-          <p:nvPr>
-            <p:ph type="title"/>
-          </p:nvPr>
+        <p:style>
+          <a:lnRef idx="1">
+            <a:schemeClr val="accent1"/>
+          </a:lnRef>
+          <a:fillRef idx="3">
+            <a:schemeClr val="accent1"/>
+          </a:fillRef>
+          <a:effectRef idx="2">
+            <a:schemeClr val="accent1"/>
+          </a:effectRef>
+          <a:fontRef idx="minor">
+            <a:schemeClr val="lt1"/>
+          </a:fontRef>
+        </p:style>
+        <p:txBody>
+          <a:bodyPr rtlCol="0" anchor="ctr"/>
+          <a:lstStyle/>
+          <a:p>
+            <a:r>
+              <a:rPr lang="fr-FR" dirty="0" smtClean="0"/>
+              <a:t>Net </a:t>
+            </a:r>
+            <a:r>
+              <a:rPr lang="fr-FR" dirty="0" smtClean="0">
+                <a:solidFill>
+                  <a:srgbClr val="FFFF00"/>
+                </a:solidFill>
+              </a:rPr>
+              <a:t>-&gt; </a:t>
+            </a:r>
+            <a:r>
+              <a:rPr lang="fr-FR" dirty="0" err="1" smtClean="0"/>
+              <a:t>join</a:t>
+            </a:r>
+            <a:r>
+              <a:rPr lang="fr-FR" dirty="0" smtClean="0">
+                <a:solidFill>
+                  <a:srgbClr val="63F8FF"/>
+                </a:solidFill>
+              </a:rPr>
+              <a:t>(</a:t>
+            </a:r>
+            <a:r>
+              <a:rPr lang="fr-FR" dirty="0" err="1" smtClean="0"/>
+              <a:t>members</a:t>
+            </a:r>
+            <a:r>
+              <a:rPr lang="fr-FR" dirty="0" smtClean="0">
+                <a:solidFill>
+                  <a:srgbClr val="63F8FF"/>
+                </a:solidFill>
+              </a:rPr>
+              <a:t>);</a:t>
+            </a:r>
+            <a:endParaRPr lang="fr-FR" dirty="0">
+              <a:solidFill>
+                <a:srgbClr val="63F8FF"/>
+              </a:solidFill>
+            </a:endParaRPr>
+          </a:p>
+        </p:txBody>
+      </p:sp>
+      <p:sp>
+        <p:nvSpPr>
+          <p:cNvPr id="6" name="Espace réservé du pied de page 5"/>
+          <p:cNvSpPr>
+            <a:spLocks noGrp="1"/>
+          </p:cNvSpPr>
+          <p:nvPr>
+            <p:ph type="ftr" sz="quarter" idx="11"/>
+          </p:nvPr>
+        </p:nvSpPr>
+        <p:spPr/>
+        <p:txBody>
+          <a:bodyPr/>
+          <a:lstStyle/>
+          <a:p>
+            <a:r>
+              <a:rPr lang="fr-FR" smtClean="0"/>
+              <a:t>7ième journée LoOPS</a:t>
+            </a:r>
+            <a:endParaRPr lang="fr-FR" dirty="0"/>
+          </a:p>
+        </p:txBody>
+      </p:sp>
+      <p:sp>
+        <p:nvSpPr>
+          <p:cNvPr id="7" name="Rectangle 6"/>
+          <p:cNvSpPr/>
+          <p:nvPr/>
         </p:nvSpPr>
         <p:spPr>
           <a:xfrm>
-            <a:off x="285236" y="103260"/>
-            <a:ext cx="8229600" cy="691138"/>
-          </a:xfrm>
-        </p:spPr>
-        <p:txBody>
-          <a:bodyPr/>
-          <a:lstStyle/>
-          <a:p>
-            <a:r>
-              <a:rPr lang="fr-FR" sz="3200" dirty="0" smtClean="0"/>
-              <a:t>Actions </a:t>
-            </a:r>
-            <a:r>
-              <a:rPr lang="fr-FR" sz="3200" dirty="0" err="1" smtClean="0"/>
-              <a:t>LoOPS</a:t>
-            </a:r>
-            <a:endParaRPr lang="fr-FR" sz="3200" dirty="0"/>
-          </a:p>
-        </p:txBody>
-      </p:sp>
-      <p:sp>
-        <p:nvSpPr>
-          <p:cNvPr id="7" name="Espace réservé du pied de page 6"/>
-          <p:cNvSpPr>
-            <a:spLocks noGrp="1"/>
-          </p:cNvSpPr>
-          <p:nvPr>
-            <p:ph type="ftr" sz="quarter" idx="11"/>
-          </p:nvPr>
-        </p:nvSpPr>
-        <p:spPr/>
-        <p:txBody>
-          <a:bodyPr/>
-          <a:lstStyle/>
-          <a:p>
-            <a:r>
-              <a:rPr lang="fr-FR" smtClean="0"/>
-              <a:t>7ième journée LoOPS</a:t>
-            </a:r>
-            <a:endParaRPr lang="fr-FR" dirty="0"/>
-          </a:p>
-        </p:txBody>
-      </p:sp>
-      <p:sp>
-        <p:nvSpPr>
-          <p:cNvPr id="4" name="Espace réservé de la date 3"/>
-          <p:cNvSpPr>
-            <a:spLocks noGrp="1"/>
-          </p:cNvSpPr>
-          <p:nvPr>
-            <p:ph type="dt" sz="half" idx="10"/>
-          </p:nvPr>
-        </p:nvSpPr>
-        <p:spPr/>
-        <p:txBody>
-          <a:bodyPr/>
-          <a:lstStyle/>
-          <a:p>
-            <a:r>
-              <a:rPr lang="fr-FR" smtClean="0"/>
-              <a:t>17 novembre 2015</a:t>
-            </a:r>
-            <a:endParaRPr lang="fr-FR"/>
-          </a:p>
-        </p:txBody>
-      </p:sp>
-      <p:pic>
-        <p:nvPicPr>
-          <p:cNvPr id="5" name="Image 4"/>
-          <p:cNvPicPr>
-            <a:picLocks noChangeAspect="1"/>
-          </p:cNvPicPr>
-          <p:nvPr/>
-        </p:nvPicPr>
-        <p:blipFill>
-          <a:blip r:embed="rId4"/>
-          <a:stretch>
-            <a:fillRect/>
-          </a:stretch>
-        </p:blipFill>
-        <p:spPr>
-          <a:xfrm rot="18624091">
-            <a:off x="7239578" y="4789136"/>
-            <a:ext cx="439484" cy="1138953"/>
+            <a:off x="0" y="2573705"/>
+            <a:ext cx="561671" cy="317515"/>
           </a:xfrm>
           <a:prstGeom prst="rect">
             <a:avLst/>
           </a:prstGeom>
+          <a:solidFill>
+            <a:schemeClr val="tx1"/>
+          </a:solidFill>
+          <a:ln>
+            <a:noFill/>
+          </a:ln>
+          <a:effectLst/>
         </p:spPr>
-      </p:pic>
-      <p:sp>
-        <p:nvSpPr>
-          <p:cNvPr id="11" name="ZoneTexte 10"/>
-          <p:cNvSpPr txBox="1"/>
+        <p:style>
+          <a:lnRef idx="1">
+            <a:schemeClr val="accent1"/>
+          </a:lnRef>
+          <a:fillRef idx="3">
+            <a:schemeClr val="accent1"/>
+          </a:fillRef>
+          <a:effectRef idx="2">
+            <a:schemeClr val="accent1"/>
+          </a:effectRef>
+          <a:fontRef idx="minor">
+            <a:schemeClr val="lt1"/>
+          </a:fontRef>
+        </p:style>
+        <p:txBody>
+          <a:bodyPr rtlCol="0" anchor="ctr"/>
+          <a:lstStyle/>
+          <a:p>
+            <a:r>
+              <a:rPr lang="fr-FR" dirty="0" smtClean="0"/>
+              <a:t># </a:t>
+            </a:r>
+            <a:r>
+              <a:rPr lang="fr-FR" dirty="0" err="1" smtClean="0"/>
+              <a:t>ls</a:t>
+            </a:r>
+            <a:endParaRPr lang="fr-FR" dirty="0">
+              <a:solidFill>
+                <a:srgbClr val="63F8FF"/>
+              </a:solidFill>
+            </a:endParaRPr>
+          </a:p>
+        </p:txBody>
+      </p:sp>
+      <p:sp>
+        <p:nvSpPr>
+          <p:cNvPr id="8" name="Espace réservé de la date 7"/>
+          <p:cNvSpPr>
+            <a:spLocks noGrp="1"/>
+          </p:cNvSpPr>
+          <p:nvPr>
+            <p:ph type="dt" sz="half" idx="10"/>
+          </p:nvPr>
+        </p:nvSpPr>
+        <p:spPr/>
+        <p:txBody>
+          <a:bodyPr/>
+          <a:lstStyle/>
+          <a:p>
+            <a:r>
+              <a:rPr lang="fr-FR" smtClean="0"/>
+              <a:t>17 novembre 2015</a:t>
+            </a:r>
+            <a:endParaRPr lang="fr-FR"/>
+          </a:p>
+        </p:txBody>
+      </p:sp>
+      <p:sp>
+        <p:nvSpPr>
+          <p:cNvPr id="5" name="Espace réservé du numéro de diapositive 4"/>
+          <p:cNvSpPr>
+            <a:spLocks noGrp="1"/>
+          </p:cNvSpPr>
+          <p:nvPr>
+            <p:ph type="sldNum" sz="quarter" idx="12"/>
+          </p:nvPr>
+        </p:nvSpPr>
+        <p:spPr/>
+        <p:txBody>
+          <a:bodyPr/>
+          <a:lstStyle/>
+          <a:p>
+            <a:fld id="{9EDC6D86-14D3-3648-AF53-8E1A2FD4027D}" type="slidenum">
+              <a:rPr lang="fr-FR" smtClean="0"/>
+              <a:t>6</a:t>
+            </a:fld>
+            <a:endParaRPr lang="fr-FR"/>
+          </a:p>
+        </p:txBody>
+      </p:sp>
+      <p:sp>
+        <p:nvSpPr>
+          <p:cNvPr id="10" name="Rectangle 9"/>
+          <p:cNvSpPr/>
           <p:nvPr/>
         </p:nvSpPr>
         <p:spPr>
           <a:xfrm>
-            <a:off x="4334294" y="5652095"/>
-            <a:ext cx="4134290" cy="646331"/>
+            <a:off x="0" y="5945544"/>
+            <a:ext cx="4044827" cy="322262"/>
           </a:xfrm>
           <a:prstGeom prst="rect">
             <a:avLst/>
           </a:prstGeom>
-          <a:noFill/>
+          <a:solidFill>
+            <a:schemeClr val="tx1"/>
+          </a:solidFill>
+          <a:ln>
+            <a:noFill/>
+          </a:ln>
+          <a:effectLst/>
         </p:spPr>
-        <p:txBody>
-          <a:bodyPr wrap="none" rtlCol="0">
-            <a:spAutoFit/>
-          </a:bodyPr>
-          <a:lstStyle/>
-          <a:p>
-            <a:pPr lvl="1"/>
+        <p:style>
+          <a:lnRef idx="1">
+            <a:schemeClr val="accent1"/>
+          </a:lnRef>
+          <a:fillRef idx="3">
+            <a:schemeClr val="accent1"/>
+          </a:fillRef>
+          <a:effectRef idx="2">
+            <a:schemeClr val="accent1"/>
+          </a:effectRef>
+          <a:fontRef idx="minor">
+            <a:schemeClr val="lt1"/>
+          </a:fontRef>
+        </p:style>
+        <p:txBody>
+          <a:bodyPr rtlCol="0" anchor="ctr"/>
+          <a:lstStyle/>
+          <a:p>
             <a:r>
               <a:rPr lang="fr-FR" dirty="0" smtClean="0"/>
-              <a:t>N’hésitez pas à nous donner la v</a:t>
+              <a:t># </a:t>
+            </a:r>
+            <a:r>
+              <a:rPr lang="fr-FR" dirty="0" err="1" smtClean="0"/>
+              <a:t>echo</a:t>
+            </a:r>
+            <a:r>
+              <a:rPr lang="fr-FR" dirty="0"/>
+              <a:t> </a:t>
             </a:r>
             <a:r>
               <a:rPr lang="fr-FR" dirty="0" smtClean="0"/>
-              <a:t>ôtre </a:t>
-            </a:r>
-            <a:r>
-              <a:rPr lang="fr-FR" dirty="0" smtClean="0"/>
-              <a:t>!</a:t>
-            </a:r>
-            <a:endParaRPr lang="fr-FR" dirty="0" smtClean="0"/>
-          </a:p>
-          <a:p>
-            <a:endParaRPr lang="fr-FR" dirty="0"/>
-          </a:p>
-        </p:txBody>
-      </p:sp>
-      <p:sp>
-        <p:nvSpPr>
-          <p:cNvPr id="6" name="Espace réservé du numéro de diapositive 5"/>
-          <p:cNvSpPr>
-            <a:spLocks noGrp="1"/>
-          </p:cNvSpPr>
-          <p:nvPr>
-            <p:ph type="sldNum" sz="quarter" idx="12"/>
-          </p:nvPr>
-        </p:nvSpPr>
-        <p:spPr/>
-        <p:txBody>
-          <a:bodyPr/>
-          <a:lstStyle/>
-          <a:p>
-            <a:fld id="{9EDC6D86-14D3-3648-AF53-8E1A2FD4027D}" type="slidenum">
-              <a:rPr lang="fr-FR" smtClean="0"/>
-              <a:t>6</a:t>
-            </a:fld>
-            <a:endParaRPr lang="fr-FR"/>
+              <a:t>Merci pour votre attention</a:t>
+            </a:r>
+            <a:endParaRPr lang="fr-FR" dirty="0">
+              <a:solidFill>
+                <a:srgbClr val="63F8FF"/>
+              </a:solidFill>
+            </a:endParaRPr>
           </a:p>
         </p:txBody>
       </p:sp>
     </p:spTree>
     <p:extLst>
       <p:ext uri="{BB962C8B-B14F-4D97-AF65-F5344CB8AC3E}">
-        <p14:creationId xmlns:p14="http://schemas.microsoft.com/office/powerpoint/2010/main" val="3911804175"/>
+        <p14:creationId xmlns:p14="http://schemas.microsoft.com/office/powerpoint/2010/main" val="1234778110"/>
       </p:ext>
     </p:extLst>
   </p:cSld>
@@ -6196,331 +6055,510 @@
       </p:grpSpPr>
       <p:sp>
         <p:nvSpPr>
-          <p:cNvPr id="2" name="Titre 1"/>
-          <p:cNvSpPr>
-            <a:spLocks noGrp="1"/>
-          </p:cNvSpPr>
-          <p:nvPr>
-            <p:ph type="title"/>
+          <p:cNvPr id="10" name="Espace réservé du contenu 9"/>
+          <p:cNvSpPr>
+            <a:spLocks noGrp="1"/>
+          </p:cNvSpPr>
+          <p:nvPr>
+            <p:ph idx="1"/>
           </p:nvPr>
         </p:nvSpPr>
         <p:spPr>
           <a:xfrm>
-            <a:off x="298464" y="107984"/>
-            <a:ext cx="8229600" cy="611759"/>
+            <a:off x="457200" y="1069165"/>
+            <a:ext cx="8229600" cy="4525963"/>
           </a:xfrm>
         </p:spPr>
         <p:txBody>
           <a:bodyPr/>
           <a:lstStyle/>
           <a:p>
-            <a:r>
-              <a:rPr lang="fr-FR" sz="3200" dirty="0" err="1" smtClean="0"/>
+            <a:pPr marL="0" indent="0">
+              <a:buNone/>
+            </a:pPr>
+            <a:r>
+              <a:rPr lang="fr-FR" sz="1600" dirty="0" smtClean="0"/>
+              <a:t>09h30 : </a:t>
+            </a:r>
+            <a:r>
+              <a:rPr lang="fr-FR" sz="1600" dirty="0"/>
+              <a:t>Accueil et présentation du réseau </a:t>
+            </a:r>
+            <a:r>
+              <a:rPr lang="fr-FR" sz="1600" dirty="0" err="1"/>
               <a:t>LoOPS</a:t>
             </a:r>
-            <a:r>
-              <a:rPr lang="fr-FR" sz="3200" dirty="0" smtClean="0"/>
-              <a:t>: à suivre</a:t>
-            </a:r>
-            <a:endParaRPr lang="fr-FR" sz="3200" dirty="0"/>
-          </a:p>
-        </p:txBody>
-      </p:sp>
-      <p:sp>
-        <p:nvSpPr>
-          <p:cNvPr id="3" name="Espace réservé du contenu 2"/>
-          <p:cNvSpPr>
-            <a:spLocks noGrp="1"/>
-          </p:cNvSpPr>
-          <p:nvPr>
-            <p:ph idx="1"/>
+            <a:endParaRPr lang="fr-FR" sz="1600" dirty="0"/>
+          </a:p>
+          <a:p>
+            <a:pPr marL="0" indent="0">
+              <a:buNone/>
+            </a:pPr>
+            <a:r>
+              <a:rPr lang="fr-FR" sz="1600" dirty="0" smtClean="0"/>
+              <a:t>09h50 : </a:t>
+            </a:r>
+            <a:r>
+              <a:rPr lang="fr-FR" sz="1600" b="1" dirty="0"/>
+              <a:t>Introduction à la Propriété Intellectuelle </a:t>
+            </a:r>
+            <a:r>
+              <a:rPr lang="fr-FR" sz="1600" b="1" dirty="0" smtClean="0"/>
+              <a:t> </a:t>
+            </a:r>
+            <a:r>
+              <a:rPr lang="fr-FR" sz="1600" dirty="0" smtClean="0"/>
+              <a:t>- </a:t>
+            </a:r>
+            <a:r>
+              <a:rPr lang="fr-FR" sz="1600" i="1" dirty="0" smtClean="0"/>
+              <a:t>Soizic </a:t>
+            </a:r>
+            <a:r>
+              <a:rPr lang="fr-FR" sz="1600" i="1" dirty="0"/>
+              <a:t>Lefeuvre (SAIC </a:t>
+            </a:r>
+            <a:r>
+              <a:rPr lang="fr-FR" sz="1600" i="1" dirty="0" err="1"/>
+              <a:t>UPSud</a:t>
+            </a:r>
+            <a:r>
+              <a:rPr lang="fr-FR" sz="1600" i="1" dirty="0"/>
+              <a:t>) et Karim </a:t>
+            </a:r>
+            <a:r>
+              <a:rPr lang="fr-FR" sz="1600" i="1" dirty="0" err="1"/>
+              <a:t>Tadrist</a:t>
+            </a:r>
+            <a:r>
+              <a:rPr lang="fr-FR" sz="1600" i="1" dirty="0"/>
+              <a:t> (</a:t>
+            </a:r>
+            <a:r>
+              <a:rPr lang="fr-FR" sz="1600" i="1" dirty="0" err="1"/>
+              <a:t>CentraleSupelec</a:t>
+            </a:r>
+            <a:r>
+              <a:rPr lang="fr-FR" sz="1600" i="1" dirty="0"/>
+              <a:t>) </a:t>
+            </a:r>
+          </a:p>
+          <a:p>
+            <a:pPr marL="0" indent="0">
+              <a:buNone/>
+            </a:pPr>
+            <a:r>
+              <a:rPr lang="fr-FR" sz="1600" dirty="0" smtClean="0">
+                <a:solidFill>
+                  <a:srgbClr val="599E44"/>
+                </a:solidFill>
+              </a:rPr>
+              <a:t>10h45 : </a:t>
+            </a:r>
+            <a:r>
+              <a:rPr lang="fr-FR" sz="1600" dirty="0">
+                <a:solidFill>
+                  <a:srgbClr val="599E44"/>
+                </a:solidFill>
+              </a:rPr>
+              <a:t>Pause</a:t>
+            </a:r>
+          </a:p>
+          <a:p>
+            <a:pPr marL="0" indent="0">
+              <a:buNone/>
+            </a:pPr>
+            <a:r>
+              <a:rPr lang="fr-FR" sz="1600" dirty="0" smtClean="0"/>
+              <a:t>11h10 : </a:t>
+            </a:r>
+            <a:r>
+              <a:rPr lang="fr-FR" sz="1600" b="1" dirty="0"/>
+              <a:t>Tour d'horizon des licences et Applications </a:t>
+            </a:r>
+            <a:r>
+              <a:rPr lang="fr-FR" sz="1600" dirty="0"/>
+              <a:t>- </a:t>
+            </a:r>
+            <a:r>
+              <a:rPr lang="fr-FR" sz="1600" i="1" dirty="0" err="1"/>
+              <a:t>Chahrazed</a:t>
+            </a:r>
+            <a:r>
+              <a:rPr lang="fr-FR" sz="1600" i="1" dirty="0"/>
+              <a:t> Belgacem (SAIC </a:t>
+            </a:r>
+            <a:r>
+              <a:rPr lang="fr-FR" sz="1600" i="1" dirty="0" err="1"/>
+              <a:t>UPSud</a:t>
+            </a:r>
+            <a:r>
+              <a:rPr lang="fr-FR" sz="1600" i="1" dirty="0"/>
+              <a:t>) et Jean-Christophe </a:t>
+            </a:r>
+            <a:r>
+              <a:rPr lang="fr-FR" sz="1600" i="1" dirty="0" err="1"/>
+              <a:t>Souplet</a:t>
+            </a:r>
+            <a:r>
+              <a:rPr lang="fr-FR" sz="1600" i="1" dirty="0"/>
+              <a:t> (Pôle </a:t>
+            </a:r>
+            <a:r>
+              <a:rPr lang="fr-FR" sz="1600" i="1" dirty="0" err="1"/>
+              <a:t>Developpement</a:t>
+            </a:r>
+            <a:r>
+              <a:rPr lang="fr-FR" sz="1600" i="1" dirty="0"/>
+              <a:t> Logiciel - LRI)</a:t>
+            </a:r>
+          </a:p>
+          <a:p>
+            <a:pPr marL="0" indent="0">
+              <a:buNone/>
+            </a:pPr>
+            <a:r>
+              <a:rPr lang="fr-FR" sz="1600" dirty="0" smtClean="0"/>
+              <a:t>12h00 : </a:t>
+            </a:r>
+            <a:r>
+              <a:rPr lang="fr-FR" sz="1600" dirty="0"/>
+              <a:t>Quizz </a:t>
+            </a:r>
+            <a:r>
+              <a:rPr lang="fr-FR" sz="1600" i="1" dirty="0"/>
+              <a:t>Jeremy </a:t>
+            </a:r>
+            <a:r>
+              <a:rPr lang="fr-FR" sz="1600" i="1" dirty="0" err="1"/>
+              <a:t>Pappalardo</a:t>
+            </a:r>
+            <a:r>
+              <a:rPr lang="fr-FR" sz="1600" i="1" dirty="0"/>
+              <a:t> (Ecole polytechnique) + les 4 intervenants précédents </a:t>
+            </a:r>
+          </a:p>
+          <a:p>
+            <a:pPr marL="0" indent="0">
+              <a:buNone/>
+            </a:pPr>
+            <a:r>
+              <a:rPr lang="fr-FR" sz="1600" i="1" dirty="0" smtClean="0">
+                <a:solidFill>
+                  <a:srgbClr val="599E44"/>
+                </a:solidFill>
+              </a:rPr>
+              <a:t>12h45 : </a:t>
+            </a:r>
+            <a:r>
+              <a:rPr lang="fr-FR" sz="1600" i="1" dirty="0">
+                <a:solidFill>
+                  <a:srgbClr val="599E44"/>
+                </a:solidFill>
+              </a:rPr>
+              <a:t>Repas</a:t>
+            </a:r>
+          </a:p>
+          <a:p>
+            <a:pPr marL="0" indent="0">
+              <a:buNone/>
+            </a:pPr>
+            <a:r>
+              <a:rPr lang="fr-FR" sz="1600" dirty="0" smtClean="0"/>
+              <a:t>14h00 : </a:t>
+            </a:r>
+            <a:r>
+              <a:rPr lang="fr-FR" sz="1600" b="1" dirty="0"/>
+              <a:t>Retours </a:t>
+            </a:r>
+            <a:r>
+              <a:rPr lang="fr-FR" sz="1600" b="1" dirty="0" smtClean="0"/>
+              <a:t>d'expériences </a:t>
+            </a:r>
+            <a:r>
+              <a:rPr lang="fr-FR" sz="1600" dirty="0" smtClean="0"/>
+              <a:t>:</a:t>
+            </a:r>
+            <a:endParaRPr lang="fr-FR" sz="1600" dirty="0"/>
+          </a:p>
+          <a:p>
+            <a:pPr lvl="1"/>
+            <a:r>
+              <a:rPr lang="fr-FR" sz="1600" i="1" dirty="0" smtClean="0"/>
+              <a:t>Nicolas </a:t>
+            </a:r>
+            <a:r>
+              <a:rPr lang="fr-FR" sz="1600" i="1" dirty="0" err="1" smtClean="0"/>
+              <a:t>Thiéry</a:t>
+            </a:r>
+            <a:r>
+              <a:rPr lang="fr-FR" sz="1600" i="1" dirty="0" smtClean="0"/>
+              <a:t> (LRI) </a:t>
+            </a:r>
+            <a:r>
+              <a:rPr lang="fr-FR" sz="1600" dirty="0" smtClean="0"/>
+              <a:t>:  </a:t>
+            </a:r>
+            <a:r>
+              <a:rPr lang="fr-FR" sz="1600" dirty="0"/>
+              <a:t>c</a:t>
+            </a:r>
+            <a:r>
+              <a:rPr lang="fr-FR" sz="1600" dirty="0" smtClean="0"/>
+              <a:t>as </a:t>
+            </a:r>
+            <a:r>
+              <a:rPr lang="fr-FR" sz="1600" dirty="0"/>
+              <a:t>de </a:t>
+            </a:r>
+            <a:r>
+              <a:rPr lang="fr-FR" sz="1600" dirty="0" err="1"/>
+              <a:t>SageMath</a:t>
+            </a:r>
+            <a:r>
+              <a:rPr lang="fr-FR" sz="1600" dirty="0"/>
+              <a:t>, un logiciel libre de mathématiques qui combine la </a:t>
+            </a:r>
+            <a:r>
+              <a:rPr lang="fr-FR" sz="1600" dirty="0" err="1"/>
+              <a:t>puissande</a:t>
+            </a:r>
+            <a:r>
+              <a:rPr lang="fr-FR" sz="1600" dirty="0"/>
+              <a:t> de nombreux programmes libres dans une interface commune</a:t>
+            </a:r>
+          </a:p>
+          <a:p>
+            <a:pPr lvl="1"/>
+            <a:r>
+              <a:rPr lang="fr-FR" sz="1600" i="1" dirty="0"/>
+              <a:t>Renaud </a:t>
+            </a:r>
+            <a:r>
+              <a:rPr lang="fr-FR" sz="1600" i="1" dirty="0" err="1"/>
+              <a:t>Seguier</a:t>
+            </a:r>
+            <a:r>
+              <a:rPr lang="fr-FR" sz="1600" i="1" dirty="0"/>
+              <a:t> (</a:t>
+            </a:r>
+            <a:r>
+              <a:rPr lang="fr-FR" sz="1600" i="1" dirty="0" err="1"/>
+              <a:t>CentraleSupelec</a:t>
+            </a:r>
+            <a:r>
+              <a:rPr lang="fr-FR" sz="1600" i="1" dirty="0"/>
+              <a:t>) </a:t>
+            </a:r>
+            <a:r>
+              <a:rPr lang="fr-FR" sz="1600" dirty="0" smtClean="0"/>
+              <a:t>: valorisation </a:t>
+            </a:r>
+            <a:r>
+              <a:rPr lang="fr-FR" sz="1600" dirty="0"/>
+              <a:t>de travaux de recherche par la création des startups : </a:t>
+            </a:r>
+            <a:r>
+              <a:rPr lang="fr-FR" sz="1600" dirty="0" err="1"/>
+              <a:t>Dynamixyz</a:t>
+            </a:r>
+            <a:r>
+              <a:rPr lang="fr-FR" sz="1600" dirty="0"/>
+              <a:t> (animation de visage 3D) et 3D Sound </a:t>
+            </a:r>
+            <a:r>
+              <a:rPr lang="fr-FR" sz="1600" dirty="0" err="1"/>
+              <a:t>Labs</a:t>
+            </a:r>
+            <a:r>
+              <a:rPr lang="fr-FR" sz="1600" dirty="0"/>
+              <a:t> (</a:t>
+            </a:r>
+            <a:r>
+              <a:rPr lang="fr-FR" sz="1600" dirty="0" err="1"/>
+              <a:t>ecoute</a:t>
+            </a:r>
+            <a:r>
+              <a:rPr lang="fr-FR" sz="1600" dirty="0"/>
+              <a:t> de son 3D au casque</a:t>
+            </a:r>
+            <a:r>
+              <a:rPr lang="fr-FR" sz="1600" dirty="0" smtClean="0"/>
+              <a:t>)</a:t>
+            </a:r>
+            <a:endParaRPr lang="fr-FR" sz="1600" i="1" dirty="0" smtClean="0"/>
+          </a:p>
+          <a:p>
+            <a:pPr lvl="1"/>
+            <a:r>
+              <a:rPr lang="fr-FR" sz="1600" i="1" dirty="0"/>
+              <a:t>Olivier </a:t>
+            </a:r>
+            <a:r>
+              <a:rPr lang="fr-FR" sz="1600" i="1" dirty="0" err="1"/>
+              <a:t>Teytaud</a:t>
+            </a:r>
+            <a:r>
+              <a:rPr lang="fr-FR" sz="1600" i="1" dirty="0"/>
+              <a:t> (</a:t>
+            </a:r>
+            <a:r>
+              <a:rPr lang="fr-FR" sz="1600" i="1" dirty="0" err="1"/>
+              <a:t>inria</a:t>
+            </a:r>
+            <a:r>
+              <a:rPr lang="fr-FR" sz="1600" i="1" dirty="0"/>
+              <a:t>) </a:t>
+            </a:r>
+            <a:r>
+              <a:rPr lang="fr-FR" sz="1600" dirty="0"/>
+              <a:t>: </a:t>
+            </a:r>
+            <a:r>
+              <a:rPr lang="fr-FR" sz="1600" dirty="0" smtClean="0"/>
+              <a:t>propriété </a:t>
+            </a:r>
+            <a:r>
+              <a:rPr lang="fr-FR" sz="1600" dirty="0"/>
+              <a:t>intellectuelle en code: deux cas opposés.</a:t>
+            </a:r>
+          </a:p>
+          <a:p>
+            <a:pPr marL="0" indent="0">
+              <a:buNone/>
+            </a:pPr>
+            <a:r>
+              <a:rPr lang="fr-FR" sz="1600" dirty="0" smtClean="0"/>
+              <a:t>15h45 : </a:t>
+            </a:r>
+            <a:r>
+              <a:rPr lang="fr-FR" sz="1600" dirty="0"/>
+              <a:t>Table ronde </a:t>
+            </a:r>
+            <a:r>
+              <a:rPr lang="fr-FR" sz="1600" b="1" dirty="0"/>
+              <a:t>: En pratique que dois-je faire selon ma (mes) tutelles ? </a:t>
+            </a:r>
+            <a:r>
+              <a:rPr lang="fr-FR" sz="1600" i="1" dirty="0" err="1"/>
+              <a:t>Maike</a:t>
+            </a:r>
+            <a:r>
+              <a:rPr lang="fr-FR" sz="1600" i="1" dirty="0"/>
+              <a:t> </a:t>
+            </a:r>
+            <a:r>
+              <a:rPr lang="fr-FR" sz="1600" i="1" dirty="0" err="1"/>
+              <a:t>Gilliot</a:t>
+            </a:r>
+            <a:r>
+              <a:rPr lang="fr-FR" sz="1600" i="1" dirty="0"/>
+              <a:t> (</a:t>
+            </a:r>
+            <a:r>
+              <a:rPr lang="fr-FR" sz="1600" i="1" dirty="0" err="1"/>
+              <a:t>inria</a:t>
+            </a:r>
+            <a:r>
+              <a:rPr lang="fr-FR" sz="1600" i="1" dirty="0"/>
+              <a:t>), Soizic Lefeuvre (SAIC </a:t>
+            </a:r>
+            <a:r>
+              <a:rPr lang="fr-FR" sz="1600" i="1" dirty="0" err="1"/>
+              <a:t>UPSud</a:t>
+            </a:r>
+            <a:r>
+              <a:rPr lang="fr-FR" sz="1600" i="1" dirty="0"/>
+              <a:t>), Arnaud </a:t>
+            </a:r>
+            <a:r>
+              <a:rPr lang="fr-FR" sz="1600" i="1" dirty="0" err="1"/>
+              <a:t>Ritou</a:t>
+            </a:r>
+            <a:r>
+              <a:rPr lang="fr-FR" sz="1600" i="1" dirty="0"/>
+              <a:t> (CNRS), Karim </a:t>
+            </a:r>
+            <a:r>
+              <a:rPr lang="fr-FR" sz="1600" i="1" dirty="0" err="1"/>
+              <a:t>Tadrist</a:t>
+            </a:r>
+            <a:r>
+              <a:rPr lang="fr-FR" sz="1600" i="1" dirty="0"/>
+              <a:t> (</a:t>
+            </a:r>
+            <a:r>
+              <a:rPr lang="fr-FR" sz="1600" i="1" dirty="0" err="1"/>
+              <a:t>CentraleSupelec</a:t>
+            </a:r>
+            <a:r>
+              <a:rPr lang="fr-FR" sz="1600" i="1" dirty="0" smtClean="0"/>
+              <a:t>) </a:t>
+            </a:r>
+            <a:r>
+              <a:rPr lang="fr-FR" sz="1600" i="1" dirty="0" err="1" smtClean="0"/>
+              <a:t>Loic</a:t>
+            </a:r>
+            <a:r>
+              <a:rPr lang="fr-FR" sz="1600" i="1" dirty="0" smtClean="0"/>
+              <a:t> </a:t>
+            </a:r>
+            <a:r>
+              <a:rPr lang="fr-FR" sz="1600" i="1" dirty="0" err="1" smtClean="0"/>
+              <a:t>Gouarin</a:t>
+            </a:r>
+            <a:r>
+              <a:rPr lang="fr-FR" sz="1600" i="1" dirty="0" smtClean="0"/>
+              <a:t> (LMO)</a:t>
+            </a:r>
+            <a:endParaRPr lang="fr-FR" sz="1600" i="1" dirty="0"/>
+          </a:p>
+          <a:p>
+            <a:pPr marL="0" indent="0">
+              <a:buNone/>
+            </a:pPr>
+            <a:r>
+              <a:rPr lang="fr-FR" sz="1600" dirty="0" smtClean="0"/>
+              <a:t>16h30 : </a:t>
+            </a:r>
+            <a:r>
+              <a:rPr lang="fr-FR" sz="1600" dirty="0"/>
+              <a:t>Bilan de la journée - Sondage</a:t>
+            </a:r>
+          </a:p>
+        </p:txBody>
+      </p:sp>
+      <p:sp>
+        <p:nvSpPr>
+          <p:cNvPr id="2" name="Titre 1"/>
+          <p:cNvSpPr>
+            <a:spLocks noGrp="1"/>
+          </p:cNvSpPr>
+          <p:nvPr>
+            <p:ph type="title"/>
           </p:nvPr>
         </p:nvSpPr>
         <p:spPr>
           <a:xfrm>
-            <a:off x="457200" y="1600200"/>
-            <a:ext cx="8229600" cy="2334435"/>
+            <a:off x="166179" y="90147"/>
+            <a:ext cx="8229600" cy="782607"/>
           </a:xfrm>
         </p:spPr>
         <p:txBody>
           <a:bodyPr/>
           <a:lstStyle/>
           <a:p>
-            <a:pPr marL="0" indent="0">
-              <a:buNone/>
-            </a:pPr>
-            <a:r>
-              <a:rPr lang="fr-FR" sz="2200" dirty="0" smtClean="0"/>
-              <a:t>Pour souscrire à la liste: </a:t>
-            </a:r>
-            <a:endParaRPr lang="fr-FR" sz="2200" dirty="0" smtClean="0"/>
-          </a:p>
-          <a:p>
-            <a:pPr marL="0" indent="0">
-              <a:buNone/>
-            </a:pPr>
-            <a:r>
-              <a:rPr lang="fr-FR" sz="2400" dirty="0" smtClean="0"/>
-              <a:t> </a:t>
-            </a:r>
-            <a:r>
-              <a:rPr lang="fr-FR" sz="2400" dirty="0" smtClean="0"/>
-              <a:t>	</a:t>
-            </a:r>
-            <a:r>
-              <a:rPr lang="fr-FR" sz="2400" b="1" dirty="0" smtClean="0">
-                <a:solidFill>
-                  <a:srgbClr val="FF0000"/>
-                </a:solidFill>
-                <a:hlinkClick r:id="rId2"/>
-              </a:rPr>
-              <a:t>http</a:t>
-            </a:r>
-            <a:r>
-              <a:rPr lang="fr-FR" sz="2400" b="1" dirty="0" smtClean="0">
-                <a:solidFill>
-                  <a:srgbClr val="FF0000"/>
-                </a:solidFill>
-                <a:hlinkClick r:id="rId2"/>
-              </a:rPr>
-              <a:t>://</a:t>
-            </a:r>
-            <a:r>
-              <a:rPr lang="fr-FR" sz="2400" b="1" dirty="0" err="1" smtClean="0">
-                <a:solidFill>
-                  <a:srgbClr val="FF0000"/>
-                </a:solidFill>
-                <a:hlinkClick r:id="rId2"/>
-              </a:rPr>
-              <a:t>reseau-loops.github.io</a:t>
-            </a:r>
-            <a:r>
-              <a:rPr lang="fr-FR" sz="2400" b="1" dirty="0" smtClean="0">
-                <a:solidFill>
-                  <a:srgbClr val="FF0000"/>
-                </a:solidFill>
-                <a:hlinkClick r:id="rId2"/>
-              </a:rPr>
-              <a:t>/</a:t>
-            </a:r>
-            <a:endParaRPr lang="fr-FR" sz="2400" b="1" dirty="0" smtClean="0">
-              <a:solidFill>
-                <a:srgbClr val="FF0000"/>
-              </a:solidFill>
-            </a:endParaRPr>
-          </a:p>
-          <a:p>
-            <a:pPr marL="0" indent="0">
-              <a:buNone/>
-            </a:pPr>
-            <a:endParaRPr lang="fr-FR" sz="2400" b="1" dirty="0">
-              <a:solidFill>
-                <a:srgbClr val="FF0000"/>
-              </a:solidFill>
-            </a:endParaRPr>
-          </a:p>
-          <a:p>
-            <a:pPr marL="0" indent="0">
-              <a:buNone/>
-            </a:pPr>
-            <a:endParaRPr lang="fr-FR" sz="2000" dirty="0"/>
-          </a:p>
-          <a:p>
-            <a:pPr marL="0" indent="0">
-              <a:buNone/>
-            </a:pPr>
-            <a:r>
-              <a:rPr lang="fr-FR" sz="2200" dirty="0" smtClean="0"/>
-              <a:t>8</a:t>
-            </a:r>
-            <a:r>
-              <a:rPr lang="fr-FR" sz="2200" baseline="30000" dirty="0" smtClean="0"/>
-              <a:t>ième</a:t>
-            </a:r>
-            <a:r>
-              <a:rPr lang="fr-FR" sz="2200" dirty="0" smtClean="0"/>
-              <a:t> journée </a:t>
-            </a:r>
-            <a:r>
-              <a:rPr lang="fr-FR" sz="2200" dirty="0" err="1" smtClean="0"/>
-              <a:t>LoOPS</a:t>
-            </a:r>
-            <a:r>
-              <a:rPr lang="fr-FR" sz="2200" dirty="0" smtClean="0"/>
-              <a:t> le 17 décembre Docker et </a:t>
-            </a:r>
-            <a:r>
-              <a:rPr lang="fr-FR" sz="2200" dirty="0" err="1" smtClean="0"/>
-              <a:t>Unikernel</a:t>
-            </a:r>
-            <a:r>
-              <a:rPr lang="fr-FR" sz="2200" dirty="0" smtClean="0"/>
-              <a:t> sont sur un bateau. Proto 204</a:t>
-            </a:r>
-          </a:p>
-          <a:p>
-            <a:pPr marL="0" indent="0">
-              <a:buNone/>
-            </a:pPr>
-            <a:endParaRPr lang="fr-FR" sz="2000" dirty="0"/>
-          </a:p>
-          <a:p>
-            <a:pPr marL="0" indent="0">
-              <a:buNone/>
-            </a:pPr>
-            <a:r>
-              <a:rPr lang="fr-FR" sz="2200" dirty="0" smtClean="0"/>
-              <a:t>En préparation : </a:t>
-            </a:r>
-          </a:p>
-          <a:p>
-            <a:pPr marL="0" indent="0">
-              <a:buNone/>
-            </a:pPr>
-            <a:r>
-              <a:rPr lang="fr-FR" sz="2200" dirty="0" smtClean="0"/>
-              <a:t>GPU </a:t>
-            </a:r>
-            <a:r>
-              <a:rPr lang="fr-FR" sz="2200" dirty="0" err="1" smtClean="0"/>
-              <a:t>day</a:t>
-            </a:r>
-            <a:r>
-              <a:rPr lang="fr-FR" sz="2200" dirty="0" smtClean="0"/>
-              <a:t> in 2016 (first </a:t>
-            </a:r>
-            <a:r>
-              <a:rPr lang="fr-FR" sz="2200" dirty="0" err="1" smtClean="0"/>
-              <a:t>semester</a:t>
-            </a:r>
-            <a:r>
-              <a:rPr lang="fr-FR" sz="2200" dirty="0" smtClean="0"/>
-              <a:t>)</a:t>
-            </a:r>
-          </a:p>
-          <a:p>
-            <a:pPr marL="0" indent="0">
-              <a:buNone/>
-            </a:pPr>
-            <a:r>
-              <a:rPr lang="fr-FR" sz="2200" dirty="0" err="1"/>
-              <a:t>Hadoops</a:t>
-            </a:r>
-            <a:r>
-              <a:rPr lang="fr-FR" sz="2200" dirty="0"/>
-              <a:t> / </a:t>
-            </a:r>
-            <a:r>
-              <a:rPr lang="fr-FR" sz="2200" dirty="0" err="1" smtClean="0"/>
-              <a:t>Spark</a:t>
-            </a:r>
-            <a:r>
-              <a:rPr lang="fr-FR" sz="2200" dirty="0" smtClean="0"/>
-              <a:t> </a:t>
-            </a:r>
-            <a:endParaRPr lang="fr-FR" sz="2200" dirty="0"/>
-          </a:p>
-          <a:p>
-            <a:pPr marL="0" indent="0">
-              <a:buNone/>
-            </a:pPr>
-            <a:endParaRPr lang="fr-FR" sz="2200" dirty="0" smtClean="0"/>
-          </a:p>
-          <a:p>
-            <a:endParaRPr lang="fr-FR" sz="2400" dirty="0"/>
-          </a:p>
-          <a:p>
-            <a:endParaRPr lang="fr-FR" dirty="0"/>
-          </a:p>
-        </p:txBody>
-      </p:sp>
-      <p:sp>
-        <p:nvSpPr>
-          <p:cNvPr id="4" name="Rectangle 3"/>
-          <p:cNvSpPr/>
-          <p:nvPr/>
-        </p:nvSpPr>
-        <p:spPr>
-          <a:xfrm>
-            <a:off x="0" y="1282685"/>
-            <a:ext cx="2314936" cy="317515"/>
-          </a:xfrm>
-          <a:prstGeom prst="rect">
-            <a:avLst/>
-          </a:prstGeom>
-          <a:solidFill>
-            <a:schemeClr val="tx1"/>
-          </a:solidFill>
-          <a:ln>
-            <a:noFill/>
-          </a:ln>
-          <a:effectLst/>
-        </p:spPr>
-        <p:style>
-          <a:lnRef idx="1">
-            <a:schemeClr val="accent1"/>
-          </a:lnRef>
-          <a:fillRef idx="3">
-            <a:schemeClr val="accent1"/>
-          </a:fillRef>
-          <a:effectRef idx="2">
-            <a:schemeClr val="accent1"/>
-          </a:effectRef>
-          <a:fontRef idx="minor">
-            <a:schemeClr val="lt1"/>
-          </a:fontRef>
-        </p:style>
-        <p:txBody>
-          <a:bodyPr rtlCol="0" anchor="ctr"/>
-          <a:lstStyle/>
-          <a:p>
-            <a:r>
-              <a:rPr lang="fr-FR" dirty="0" smtClean="0"/>
-              <a:t>Net </a:t>
-            </a:r>
-            <a:r>
-              <a:rPr lang="fr-FR" dirty="0" smtClean="0">
-                <a:solidFill>
-                  <a:srgbClr val="FFFF00"/>
-                </a:solidFill>
-              </a:rPr>
-              <a:t>-&gt; </a:t>
-            </a:r>
-            <a:r>
-              <a:rPr lang="fr-FR" dirty="0" err="1" smtClean="0"/>
-              <a:t>join</a:t>
-            </a:r>
-            <a:r>
-              <a:rPr lang="fr-FR" dirty="0" smtClean="0">
-                <a:solidFill>
-                  <a:srgbClr val="63F8FF"/>
-                </a:solidFill>
-              </a:rPr>
-              <a:t>(</a:t>
-            </a:r>
-            <a:r>
-              <a:rPr lang="fr-FR" dirty="0" err="1" smtClean="0"/>
-              <a:t>members</a:t>
-            </a:r>
-            <a:r>
-              <a:rPr lang="fr-FR" dirty="0" smtClean="0">
-                <a:solidFill>
-                  <a:srgbClr val="63F8FF"/>
-                </a:solidFill>
-              </a:rPr>
-              <a:t>);</a:t>
-            </a:r>
-            <a:endParaRPr lang="fr-FR" dirty="0">
-              <a:solidFill>
-                <a:srgbClr val="63F8FF"/>
-              </a:solidFill>
-            </a:endParaRPr>
-          </a:p>
-        </p:txBody>
-      </p:sp>
-      <p:sp>
-        <p:nvSpPr>
-          <p:cNvPr id="6" name="Espace réservé du pied de page 5"/>
+            <a:r>
+              <a:rPr lang="fr-FR" sz="3200" dirty="0" smtClean="0"/>
+              <a:t>Présentation de la journée</a:t>
+            </a:r>
+            <a:endParaRPr lang="fr-FR" sz="3200" dirty="0"/>
+          </a:p>
+        </p:txBody>
+      </p:sp>
+      <p:sp>
+        <p:nvSpPr>
+          <p:cNvPr id="9" name="Espace réservé du pied de page 8"/>
           <p:cNvSpPr>
             <a:spLocks noGrp="1"/>
           </p:cNvSpPr>
@@ -6537,69 +6575,13 @@
               <a:rPr lang="fr-FR" smtClean="0"/>
               <a:t>7ième journée LoOPS</a:t>
             </a:r>
-            <a:endParaRPr lang="fr-FR" dirty="0"/>
-          </a:p>
-        </p:txBody>
-      </p:sp>
-      <p:sp>
-        <p:nvSpPr>
-          <p:cNvPr id="7" name="Rectangle 6"/>
-          <p:cNvSpPr/>
-          <p:nvPr/>
-        </p:nvSpPr>
-        <p:spPr>
-          <a:xfrm>
-            <a:off x="0" y="2573705"/>
-            <a:ext cx="561671" cy="317515"/>
-          </a:xfrm>
-          <a:prstGeom prst="rect">
-            <a:avLst/>
-          </a:prstGeom>
-          <a:solidFill>
-            <a:schemeClr val="tx1"/>
-          </a:solidFill>
-          <a:ln>
-            <a:noFill/>
-          </a:ln>
-          <a:effectLst/>
-        </p:spPr>
-        <p:style>
-          <a:lnRef idx="1">
-            <a:schemeClr val="accent1"/>
-          </a:lnRef>
-          <a:fillRef idx="3">
-            <a:schemeClr val="accent1"/>
-          </a:fillRef>
-          <a:effectRef idx="2">
-            <a:schemeClr val="accent1"/>
-          </a:effectRef>
-          <a:fontRef idx="minor">
-            <a:schemeClr val="lt1"/>
-          </a:fontRef>
-        </p:style>
-        <p:txBody>
-          <a:bodyPr rtlCol="0" anchor="ctr"/>
-          <a:lstStyle/>
-          <a:p>
-            <a:r>
-              <a:rPr lang="fr-FR" dirty="0" smtClean="0"/>
-              <a:t># </a:t>
-            </a:r>
-            <a:r>
-              <a:rPr lang="fr-FR" dirty="0" err="1" smtClean="0"/>
-              <a:t>ls</a:t>
-            </a:r>
-            <a:endParaRPr lang="fr-FR" dirty="0">
-              <a:solidFill>
-                <a:srgbClr val="63F8FF"/>
-              </a:solidFill>
-            </a:endParaRPr>
-          </a:p>
-        </p:txBody>
-      </p:sp>
-      <p:sp>
-        <p:nvSpPr>
-          <p:cNvPr id="8" name="Espace réservé de la date 7"/>
+            <a:endParaRPr lang="fr-FR"/>
+          </a:p>
+        </p:txBody>
+      </p:sp>
+      <p:sp>
+        <p:nvSpPr>
+          <p:cNvPr id="4" name="Espace réservé de la date 3"/>
           <p:cNvSpPr>
             <a:spLocks noGrp="1"/>
           </p:cNvSpPr>
@@ -6622,7 +6604,7 @@
       </p:sp>
       <p:sp>
         <p:nvSpPr>
-          <p:cNvPr id="5" name="Espace réservé du numéro de diapositive 4"/>
+          <p:cNvPr id="6" name="Espace réservé du numéro de diapositive 5"/>
           <p:cNvSpPr>
             <a:spLocks noGrp="1"/>
           </p:cNvSpPr>
@@ -6640,77 +6622,13 @@
               <a:t>7</a:t>
             </a:fld>
             <a:endParaRPr lang="fr-FR"/>
-          </a:p>
-        </p:txBody>
-      </p:sp>
-      <p:sp>
-        <p:nvSpPr>
-          <p:cNvPr id="10" name="Rectangle 9"/>
-          <p:cNvSpPr/>
-          <p:nvPr/>
-        </p:nvSpPr>
-        <p:spPr>
-          <a:xfrm>
-            <a:off x="0" y="5945544"/>
-            <a:ext cx="4044827" cy="322262"/>
-          </a:xfrm>
-          <a:prstGeom prst="rect">
-            <a:avLst/>
-          </a:prstGeom>
-          <a:solidFill>
-            <a:schemeClr val="tx1"/>
-          </a:solidFill>
-          <a:ln>
-            <a:noFill/>
-          </a:ln>
-          <a:effectLst/>
-        </p:spPr>
-        <p:style>
-          <a:lnRef idx="1">
-            <a:schemeClr val="accent1"/>
-          </a:lnRef>
-          <a:fillRef idx="3">
-            <a:schemeClr val="accent1"/>
-          </a:fillRef>
-          <a:effectRef idx="2">
-            <a:schemeClr val="accent1"/>
-          </a:effectRef>
-          <a:fontRef idx="minor">
-            <a:schemeClr val="lt1"/>
-          </a:fontRef>
-        </p:style>
-        <p:txBody>
-          <a:bodyPr rtlCol="0" anchor="ctr"/>
-          <a:lstStyle/>
-          <a:p>
-            <a:r>
-              <a:rPr lang="fr-FR" dirty="0" smtClean="0"/>
-              <a:t># </a:t>
-            </a:r>
-            <a:r>
-              <a:rPr lang="fr-FR" dirty="0" err="1" smtClean="0"/>
-              <a:t>echo</a:t>
-            </a:r>
-            <a:r>
-              <a:rPr lang="fr-FR" dirty="0"/>
-              <a:t> </a:t>
-            </a:r>
-            <a:r>
-              <a:rPr lang="fr-FR" dirty="0" smtClean="0"/>
-              <a:t>Merci pour votre attention</a:t>
-            </a:r>
-            <a:endParaRPr lang="fr-FR" dirty="0">
-              <a:solidFill>
-                <a:srgbClr val="63F8FF"/>
-              </a:solidFill>
-            </a:endParaRPr>
           </a:p>
         </p:txBody>
       </p:sp>
     </p:spTree>
     <p:extLst>
       <p:ext uri="{BB962C8B-B14F-4D97-AF65-F5344CB8AC3E}">
-        <p14:creationId xmlns:p14="http://schemas.microsoft.com/office/powerpoint/2010/main" val="1234778110"/>
+        <p14:creationId xmlns:p14="http://schemas.microsoft.com/office/powerpoint/2010/main" val="4270057457"/>
       </p:ext>
     </p:extLst>
   </p:cSld>
